--- a/_courses/comp230/f18/L06.pptx
+++ b/_courses/comp230/f18/L06.pptx
@@ -5,10 +5,10 @@
     <p:sldMasterId id="2147483671" r:id="rId1"/>
   </p:sldMasterIdLst>
   <p:notesMasterIdLst>
-    <p:notesMasterId r:id="rId28"/>
+    <p:notesMasterId r:id="rId27"/>
   </p:notesMasterIdLst>
   <p:handoutMasterIdLst>
-    <p:handoutMasterId r:id="rId29"/>
+    <p:handoutMasterId r:id="rId28"/>
   </p:handoutMasterIdLst>
   <p:sldIdLst>
     <p:sldId id="330" r:id="rId2"/>
@@ -27,16 +27,15 @@
     <p:sldId id="408" r:id="rId15"/>
     <p:sldId id="409" r:id="rId16"/>
     <p:sldId id="410" r:id="rId17"/>
-    <p:sldId id="411" r:id="rId18"/>
-    <p:sldId id="412" r:id="rId19"/>
-    <p:sldId id="413" r:id="rId20"/>
-    <p:sldId id="414" r:id="rId21"/>
-    <p:sldId id="415" r:id="rId22"/>
-    <p:sldId id="416" r:id="rId23"/>
-    <p:sldId id="417" r:id="rId24"/>
-    <p:sldId id="418" r:id="rId25"/>
-    <p:sldId id="419" r:id="rId26"/>
-    <p:sldId id="420" r:id="rId27"/>
+    <p:sldId id="412" r:id="rId18"/>
+    <p:sldId id="413" r:id="rId19"/>
+    <p:sldId id="414" r:id="rId20"/>
+    <p:sldId id="415" r:id="rId21"/>
+    <p:sldId id="416" r:id="rId22"/>
+    <p:sldId id="417" r:id="rId23"/>
+    <p:sldId id="418" r:id="rId24"/>
+    <p:sldId id="419" r:id="rId25"/>
+    <p:sldId id="420" r:id="rId26"/>
   </p:sldIdLst>
   <p:sldSz cx="9144000" cy="6858000" type="screen4x3"/>
   <p:notesSz cx="7099300" cy="10234613"/>
@@ -323,7 +322,7 @@
               <a:pPr>
                 <a:defRPr/>
               </a:pPr>
-              <a:t>August 31, 2018</a:t>
+              <a:t>September 30, 2018</a:t>
             </a:fld>
             <a:endParaRPr lang="en-US"/>
           </a:p>
@@ -567,7 +566,7 @@
               <a:pPr>
                 <a:defRPr/>
               </a:pPr>
-              <a:t>August 31, 2018</a:t>
+              <a:t>September 30, 2018</a:t>
             </a:fld>
             <a:endParaRPr lang="en-US"/>
           </a:p>
@@ -609,7 +608,7 @@
               </a14:hiddenFill>
             </a:ext>
             <a:ext uri="{FAA26D3D-D897-4be2-8F04-BA451C77F1D7}">
-              <ma14:placeholderFlag xmlns="" xmlns:ma14="http://schemas.microsoft.com/office/mac/drawingml/2011/main" val="1"/>
+              <ma14:placeholderFlag xmlns:ma14="http://schemas.microsoft.com/office/mac/drawingml/2011/main" xmlns="" val="1"/>
             </a:ext>
           </a:extLst>
         </p:spPr>
@@ -1024,7 +1023,7 @@
               <a:pPr>
                 <a:defRPr/>
               </a:pPr>
-              <a:t>August 31, 2018</a:t>
+              <a:t>September 30, 2018</a:t>
             </a:fld>
             <a:endParaRPr lang="en-US"/>
           </a:p>
@@ -1201,7 +1200,7 @@
               <a:pPr>
                 <a:defRPr/>
               </a:pPr>
-              <a:t>August 31, 2018</a:t>
+              <a:t>September 30, 2018</a:t>
             </a:fld>
             <a:endParaRPr lang="en-US"/>
           </a:p>
@@ -1400,7 +1399,7 @@
               <a:pPr>
                 <a:defRPr/>
               </a:pPr>
-              <a:t>August 31, 2018</a:t>
+              <a:t>September 30, 2018</a:t>
             </a:fld>
             <a:endParaRPr lang="en-US"/>
           </a:p>
@@ -1577,7 +1576,7 @@
               <a:pPr>
                 <a:defRPr/>
               </a:pPr>
-              <a:t>August 31, 2018</a:t>
+              <a:t>September 30, 2018</a:t>
             </a:fld>
             <a:endParaRPr lang="en-US"/>
           </a:p>
@@ -1768,7 +1767,7 @@
               <a:pPr>
                 <a:defRPr/>
               </a:pPr>
-              <a:t>August 31, 2018</a:t>
+              <a:t>September 30, 2018</a:t>
             </a:fld>
             <a:endParaRPr lang="en-US"/>
           </a:p>
@@ -1945,7 +1944,7 @@
               <a:pPr>
                 <a:defRPr/>
               </a:pPr>
-              <a:t>August 31, 2018</a:t>
+              <a:t>September 30, 2018</a:t>
             </a:fld>
             <a:endParaRPr lang="en-US"/>
           </a:p>
@@ -2122,7 +2121,7 @@
               <a:pPr>
                 <a:defRPr/>
               </a:pPr>
-              <a:t>August 31, 2018</a:t>
+              <a:t>September 30, 2018</a:t>
             </a:fld>
             <a:endParaRPr lang="en-US"/>
           </a:p>
@@ -2241,11 +2240,37 @@
           <a:p>
             <a:r>
               <a:rPr lang="en-US" dirty="0"/>
-              <a:t>MIPS is big-endian,</a:t>
+              <a:t>We talked before about representing positive integers</a:t>
+            </a:r>
+            <a:r>
+              <a:rPr lang="mr-IN" dirty="0"/>
+              <a:t>…</a:t>
+            </a:r>
+            <a:r>
+              <a:rPr lang="en-US" dirty="0"/>
+              <a:t>we call those “unsigned.”</a:t>
+            </a:r>
+          </a:p>
+          <a:p>
+            <a:r>
+              <a:rPr lang="en-US" dirty="0"/>
+              <a:t>But</a:t>
             </a:r>
             <a:r>
               <a:rPr lang="en-US" baseline="0" dirty="0"/>
-              <a:t> but Intel x86 is little endian! You will not need to deal with this usually, unless you are working with something smaller than a word. Or if you take Networking -- most networking protocols are big-endian. </a:t>
+              <a:t> obviously sometimes we want to talk about negative numbers. There are a few different ways to represent negative numbers.</a:t>
+            </a:r>
+          </a:p>
+          <a:p>
+            <a:endParaRPr lang="en-US" baseline="0" dirty="0"/>
+          </a:p>
+          <a:p>
+            <a:endParaRPr lang="en-US" baseline="0" dirty="0"/>
+          </a:p>
+          <a:p>
+            <a:r>
+              <a:rPr lang="en-US" baseline="0" dirty="0"/>
+              <a:t>Some of this is foreshadowing chapter 2, but it will help to understand how the Adder works.</a:t>
             </a:r>
             <a:endParaRPr lang="en-US" dirty="0"/>
           </a:p>
@@ -2299,7 +2324,7 @@
               <a:pPr>
                 <a:defRPr/>
               </a:pPr>
-              <a:t>August 31, 2018</a:t>
+              <a:t>September 30, 2018</a:t>
             </a:fld>
             <a:endParaRPr lang="en-US"/>
           </a:p>
@@ -2362,7 +2387,7 @@
     </p:spTree>
     <p:extLst>
       <p:ext uri="{BB962C8B-B14F-4D97-AF65-F5344CB8AC3E}">
-        <p14:creationId xmlns:p14="http://schemas.microsoft.com/office/powerpoint/2010/main" val="3101373836"/>
+        <p14:creationId xmlns:p14="http://schemas.microsoft.com/office/powerpoint/2010/main" val="2453269895"/>
       </p:ext>
     </p:extLst>
   </p:cSld>
@@ -2418,37 +2443,19 @@
           <a:p>
             <a:r>
               <a:rPr lang="en-US" dirty="0"/>
-              <a:t>We talked before about representing positive integers</a:t>
-            </a:r>
-            <a:r>
-              <a:rPr lang="mr-IN" dirty="0"/>
-              <a:t>…</a:t>
-            </a:r>
-            <a:r>
-              <a:rPr lang="en-US" dirty="0"/>
-              <a:t>we call those “unsigned.”</a:t>
-            </a:r>
-          </a:p>
-          <a:p>
-            <a:r>
-              <a:rPr lang="en-US" dirty="0"/>
-              <a:t>But</a:t>
+              <a:t>Now, take a moment:</a:t>
             </a:r>
             <a:r>
               <a:rPr lang="en-US" baseline="0" dirty="0"/>
-              <a:t> obviously sometimes we want to talk about negative numbers. There are a few different ways to represent negative numbers.</a:t>
-            </a:r>
-          </a:p>
-          <a:p>
-            <a:endParaRPr lang="en-US" baseline="0" dirty="0"/>
-          </a:p>
-          <a:p>
-            <a:endParaRPr lang="en-US" baseline="0" dirty="0"/>
-          </a:p>
-          <a:p>
+              <a:t> you’re a </a:t>
+            </a:r>
+            <a:r>
+              <a:rPr lang="en-US" baseline="0" dirty="0" err="1"/>
+              <a:t>Cpu</a:t>
+            </a:r>
             <a:r>
               <a:rPr lang="en-US" baseline="0" dirty="0"/>
-              <a:t>Some of this is foreshadowing chapter 2, but it will help to understand how the Adder works.</a:t>
+              <a:t> designer 50 years ago and you need to compute with negative numbers. How would you implement signed integers (the ability to have both positive and negative numbers)?</a:t>
             </a:r>
             <a:endParaRPr lang="en-US" dirty="0"/>
           </a:p>
@@ -2502,7 +2509,7 @@
               <a:pPr>
                 <a:defRPr/>
               </a:pPr>
-              <a:t>August 31, 2018</a:t>
+              <a:t>September 30, 2018</a:t>
             </a:fld>
             <a:endParaRPr lang="en-US"/>
           </a:p>
@@ -2565,7 +2572,7 @@
     </p:spTree>
     <p:extLst>
       <p:ext uri="{BB962C8B-B14F-4D97-AF65-F5344CB8AC3E}">
-        <p14:creationId xmlns:p14="http://schemas.microsoft.com/office/powerpoint/2010/main" val="2453269895"/>
+        <p14:creationId xmlns:p14="http://schemas.microsoft.com/office/powerpoint/2010/main" val="3768073147"/>
       </p:ext>
     </p:extLst>
   </p:cSld>
@@ -2621,21 +2628,8 @@
           <a:p>
             <a:r>
               <a:rPr lang="en-US" dirty="0"/>
-              <a:t>Now, take a moment:</a:t>
-            </a:r>
-            <a:r>
-              <a:rPr lang="en-US" baseline="0" dirty="0"/>
-              <a:t> you’re a </a:t>
-            </a:r>
-            <a:r>
-              <a:rPr lang="en-US" baseline="0" dirty="0" err="1"/>
-              <a:t>Cpu</a:t>
-            </a:r>
-            <a:r>
-              <a:rPr lang="en-US" baseline="0" dirty="0"/>
-              <a:t> designer 50 years ago and you need to compute with negative numbers. How would you implement signed integers (the ability to have both positive and negative numbers)?</a:t>
-            </a:r>
-            <a:endParaRPr lang="en-US" dirty="0"/>
+              <a:t>Think about adding a negative number and a positive number</a:t>
+            </a:r>
           </a:p>
         </p:txBody>
       </p:sp>
@@ -2687,7 +2681,7 @@
               <a:pPr>
                 <a:defRPr/>
               </a:pPr>
-              <a:t>August 31, 2018</a:t>
+              <a:t>September 30, 2018</a:t>
             </a:fld>
             <a:endParaRPr lang="en-US"/>
           </a:p>
@@ -2750,7 +2744,7 @@
     </p:spTree>
     <p:extLst>
       <p:ext uri="{BB962C8B-B14F-4D97-AF65-F5344CB8AC3E}">
-        <p14:creationId xmlns:p14="http://schemas.microsoft.com/office/powerpoint/2010/main" val="3768073147"/>
+        <p14:creationId xmlns:p14="http://schemas.microsoft.com/office/powerpoint/2010/main" val="1009952346"/>
       </p:ext>
     </p:extLst>
   </p:cSld>
@@ -2804,10 +2798,7 @@
           <a:bodyPr/>
           <a:lstStyle/>
           <a:p>
-            <a:r>
-              <a:rPr lang="en-US" dirty="0"/>
-              <a:t>Think about adding a negative number and a positive number</a:t>
-            </a:r>
+            <a:endParaRPr lang="en-US" dirty="0"/>
           </a:p>
         </p:txBody>
       </p:sp>
@@ -2859,7 +2850,7 @@
               <a:pPr>
                 <a:defRPr/>
               </a:pPr>
-              <a:t>August 31, 2018</a:t>
+              <a:t>September 30, 2018</a:t>
             </a:fld>
             <a:endParaRPr lang="en-US"/>
           </a:p>
@@ -2913,7 +2904,7 @@
               <a:pPr>
                 <a:defRPr/>
               </a:pPr>
-              <a:t>20</a:t>
+              <a:t>21</a:t>
             </a:fld>
             <a:endParaRPr lang="en-US" altLang="en-US"/>
           </a:p>
@@ -2922,7 +2913,7 @@
     </p:spTree>
     <p:extLst>
       <p:ext uri="{BB962C8B-B14F-4D97-AF65-F5344CB8AC3E}">
-        <p14:creationId xmlns:p14="http://schemas.microsoft.com/office/powerpoint/2010/main" val="1009952346"/>
+        <p14:creationId xmlns:p14="http://schemas.microsoft.com/office/powerpoint/2010/main" val="38718772"/>
       </p:ext>
     </p:extLst>
   </p:cSld>
@@ -3042,7 +3033,7 @@
               <a:pPr>
                 <a:defRPr/>
               </a:pPr>
-              <a:t>August 31, 2018</a:t>
+              <a:t>September 30, 2018</a:t>
             </a:fld>
             <a:endParaRPr lang="en-US"/>
           </a:p>
@@ -3134,147 +3125,681 @@
       </p:grpSpPr>
       <p:sp>
         <p:nvSpPr>
-          <p:cNvPr id="2" name="Slide Image Placeholder 1"/>
-          <p:cNvSpPr>
-            <a:spLocks noGrp="1" noRot="1" noChangeAspect="1"/>
+          <p:cNvPr id="25602" name="Rectangle 2"/>
+          <p:cNvSpPr>
+            <a:spLocks noGrp="1" noChangeArrowheads="1"/>
+          </p:cNvSpPr>
+          <p:nvPr>
+            <p:ph type="hdr" sz="quarter"/>
+          </p:nvPr>
+        </p:nvSpPr>
+        <p:spPr>
+          <a:noFill/>
+          <a:ln/>
+          <a:extLst>
+            <a:ext uri="{909E8E84-426E-40DD-AFC4-6F175D3DCCD1}">
+              <a14:hiddenFill xmlns:a14="http://schemas.microsoft.com/office/drawing/2010/main">
+                <a:solidFill>
+                  <a:srgbClr val="FFFFFF"/>
+                </a:solidFill>
+              </a14:hiddenFill>
+            </a:ext>
+            <a:ext uri="{91240B29-F687-4F45-9708-019B960494DF}">
+              <a14:hiddenLine xmlns:a14="http://schemas.microsoft.com/office/drawing/2010/main" w="9525">
+                <a:solidFill>
+                  <a:srgbClr val="000000"/>
+                </a:solidFill>
+                <a:miter lim="800000"/>
+                <a:headEnd/>
+                <a:tailEnd/>
+              </a14:hiddenLine>
+            </a:ext>
+          </a:extLst>
+        </p:spPr>
+        <p:txBody>
+          <a:bodyPr/>
+          <a:lstStyle>
+            <a:lvl1pPr defTabSz="966788">
+              <a:defRPr sz="1600">
+                <a:solidFill>
+                  <a:schemeClr val="tx1"/>
+                </a:solidFill>
+                <a:latin typeface="Arial" charset="0"/>
+              </a:defRPr>
+            </a:lvl1pPr>
+            <a:lvl2pPr marL="742950" indent="-285750" defTabSz="966788">
+              <a:defRPr sz="1600">
+                <a:solidFill>
+                  <a:schemeClr val="tx1"/>
+                </a:solidFill>
+                <a:latin typeface="Arial" charset="0"/>
+              </a:defRPr>
+            </a:lvl2pPr>
+            <a:lvl3pPr marL="1143000" indent="-228600" defTabSz="966788">
+              <a:defRPr sz="1600">
+                <a:solidFill>
+                  <a:schemeClr val="tx1"/>
+                </a:solidFill>
+                <a:latin typeface="Arial" charset="0"/>
+              </a:defRPr>
+            </a:lvl3pPr>
+            <a:lvl4pPr marL="1600200" indent="-228600" defTabSz="966788">
+              <a:defRPr sz="1600">
+                <a:solidFill>
+                  <a:schemeClr val="tx1"/>
+                </a:solidFill>
+                <a:latin typeface="Arial" charset="0"/>
+              </a:defRPr>
+            </a:lvl4pPr>
+            <a:lvl5pPr marL="2057400" indent="-228600" defTabSz="966788">
+              <a:defRPr sz="1600">
+                <a:solidFill>
+                  <a:schemeClr val="tx1"/>
+                </a:solidFill>
+                <a:latin typeface="Arial" charset="0"/>
+              </a:defRPr>
+            </a:lvl5pPr>
+            <a:lvl6pPr marL="2514600" indent="-228600" defTabSz="966788" eaLnBrk="0" fontAlgn="base" hangingPunct="0">
+              <a:spcBef>
+                <a:spcPct val="0"/>
+              </a:spcBef>
+              <a:spcAft>
+                <a:spcPct val="0"/>
+              </a:spcAft>
+              <a:defRPr sz="1600">
+                <a:solidFill>
+                  <a:schemeClr val="tx1"/>
+                </a:solidFill>
+                <a:latin typeface="Arial" charset="0"/>
+              </a:defRPr>
+            </a:lvl6pPr>
+            <a:lvl7pPr marL="2971800" indent="-228600" defTabSz="966788" eaLnBrk="0" fontAlgn="base" hangingPunct="0">
+              <a:spcBef>
+                <a:spcPct val="0"/>
+              </a:spcBef>
+              <a:spcAft>
+                <a:spcPct val="0"/>
+              </a:spcAft>
+              <a:defRPr sz="1600">
+                <a:solidFill>
+                  <a:schemeClr val="tx1"/>
+                </a:solidFill>
+                <a:latin typeface="Arial" charset="0"/>
+              </a:defRPr>
+            </a:lvl7pPr>
+            <a:lvl8pPr marL="3429000" indent="-228600" defTabSz="966788" eaLnBrk="0" fontAlgn="base" hangingPunct="0">
+              <a:spcBef>
+                <a:spcPct val="0"/>
+              </a:spcBef>
+              <a:spcAft>
+                <a:spcPct val="0"/>
+              </a:spcAft>
+              <a:defRPr sz="1600">
+                <a:solidFill>
+                  <a:schemeClr val="tx1"/>
+                </a:solidFill>
+                <a:latin typeface="Arial" charset="0"/>
+              </a:defRPr>
+            </a:lvl8pPr>
+            <a:lvl9pPr marL="3886200" indent="-228600" defTabSz="966788" eaLnBrk="0" fontAlgn="base" hangingPunct="0">
+              <a:spcBef>
+                <a:spcPct val="0"/>
+              </a:spcBef>
+              <a:spcAft>
+                <a:spcPct val="0"/>
+              </a:spcAft>
+              <a:defRPr sz="1600">
+                <a:solidFill>
+                  <a:schemeClr val="tx1"/>
+                </a:solidFill>
+                <a:latin typeface="Arial" charset="0"/>
+              </a:defRPr>
+            </a:lvl9pPr>
+          </a:lstStyle>
+          <a:p>
+            <a:r>
+              <a:rPr lang="en-AU" altLang="en-US" sz="1300">
+                <a:latin typeface="Times New Roman" charset="0"/>
+              </a:rPr>
+              <a:t>Morgan Kaufmann Publishers</a:t>
+            </a:r>
+          </a:p>
+        </p:txBody>
+      </p:sp>
+      <p:sp>
+        <p:nvSpPr>
+          <p:cNvPr id="25603" name="Rectangle 3"/>
+          <p:cNvSpPr>
+            <a:spLocks noGrp="1" noChangeArrowheads="1"/>
+          </p:cNvSpPr>
+          <p:nvPr>
+            <p:ph type="dt" sz="quarter" idx="1"/>
+          </p:nvPr>
+        </p:nvSpPr>
+        <p:spPr>
+          <a:noFill/>
+          <a:ln/>
+          <a:extLst>
+            <a:ext uri="{909E8E84-426E-40DD-AFC4-6F175D3DCCD1}">
+              <a14:hiddenFill xmlns:a14="http://schemas.microsoft.com/office/drawing/2010/main">
+                <a:solidFill>
+                  <a:srgbClr val="FFFFFF"/>
+                </a:solidFill>
+              </a14:hiddenFill>
+            </a:ext>
+            <a:ext uri="{91240B29-F687-4F45-9708-019B960494DF}">
+              <a14:hiddenLine xmlns:a14="http://schemas.microsoft.com/office/drawing/2010/main" w="9525">
+                <a:solidFill>
+                  <a:srgbClr val="000000"/>
+                </a:solidFill>
+                <a:miter lim="800000"/>
+                <a:headEnd/>
+                <a:tailEnd/>
+              </a14:hiddenLine>
+            </a:ext>
+          </a:extLst>
+        </p:spPr>
+        <p:txBody>
+          <a:bodyPr/>
+          <a:lstStyle>
+            <a:lvl1pPr defTabSz="966788">
+              <a:defRPr sz="1600">
+                <a:solidFill>
+                  <a:schemeClr val="tx1"/>
+                </a:solidFill>
+                <a:latin typeface="Arial" charset="0"/>
+              </a:defRPr>
+            </a:lvl1pPr>
+            <a:lvl2pPr marL="742950" indent="-285750" defTabSz="966788">
+              <a:defRPr sz="1600">
+                <a:solidFill>
+                  <a:schemeClr val="tx1"/>
+                </a:solidFill>
+                <a:latin typeface="Arial" charset="0"/>
+              </a:defRPr>
+            </a:lvl2pPr>
+            <a:lvl3pPr marL="1143000" indent="-228600" defTabSz="966788">
+              <a:defRPr sz="1600">
+                <a:solidFill>
+                  <a:schemeClr val="tx1"/>
+                </a:solidFill>
+                <a:latin typeface="Arial" charset="0"/>
+              </a:defRPr>
+            </a:lvl3pPr>
+            <a:lvl4pPr marL="1600200" indent="-228600" defTabSz="966788">
+              <a:defRPr sz="1600">
+                <a:solidFill>
+                  <a:schemeClr val="tx1"/>
+                </a:solidFill>
+                <a:latin typeface="Arial" charset="0"/>
+              </a:defRPr>
+            </a:lvl4pPr>
+            <a:lvl5pPr marL="2057400" indent="-228600" defTabSz="966788">
+              <a:defRPr sz="1600">
+                <a:solidFill>
+                  <a:schemeClr val="tx1"/>
+                </a:solidFill>
+                <a:latin typeface="Arial" charset="0"/>
+              </a:defRPr>
+            </a:lvl5pPr>
+            <a:lvl6pPr marL="2514600" indent="-228600" defTabSz="966788" eaLnBrk="0" fontAlgn="base" hangingPunct="0">
+              <a:spcBef>
+                <a:spcPct val="0"/>
+              </a:spcBef>
+              <a:spcAft>
+                <a:spcPct val="0"/>
+              </a:spcAft>
+              <a:defRPr sz="1600">
+                <a:solidFill>
+                  <a:schemeClr val="tx1"/>
+                </a:solidFill>
+                <a:latin typeface="Arial" charset="0"/>
+              </a:defRPr>
+            </a:lvl6pPr>
+            <a:lvl7pPr marL="2971800" indent="-228600" defTabSz="966788" eaLnBrk="0" fontAlgn="base" hangingPunct="0">
+              <a:spcBef>
+                <a:spcPct val="0"/>
+              </a:spcBef>
+              <a:spcAft>
+                <a:spcPct val="0"/>
+              </a:spcAft>
+              <a:defRPr sz="1600">
+                <a:solidFill>
+                  <a:schemeClr val="tx1"/>
+                </a:solidFill>
+                <a:latin typeface="Arial" charset="0"/>
+              </a:defRPr>
+            </a:lvl7pPr>
+            <a:lvl8pPr marL="3429000" indent="-228600" defTabSz="966788" eaLnBrk="0" fontAlgn="base" hangingPunct="0">
+              <a:spcBef>
+                <a:spcPct val="0"/>
+              </a:spcBef>
+              <a:spcAft>
+                <a:spcPct val="0"/>
+              </a:spcAft>
+              <a:defRPr sz="1600">
+                <a:solidFill>
+                  <a:schemeClr val="tx1"/>
+                </a:solidFill>
+                <a:latin typeface="Arial" charset="0"/>
+              </a:defRPr>
+            </a:lvl8pPr>
+            <a:lvl9pPr marL="3886200" indent="-228600" defTabSz="966788" eaLnBrk="0" fontAlgn="base" hangingPunct="0">
+              <a:spcBef>
+                <a:spcPct val="0"/>
+              </a:spcBef>
+              <a:spcAft>
+                <a:spcPct val="0"/>
+              </a:spcAft>
+              <a:defRPr sz="1600">
+                <a:solidFill>
+                  <a:schemeClr val="tx1"/>
+                </a:solidFill>
+                <a:latin typeface="Arial" charset="0"/>
+              </a:defRPr>
+            </a:lvl9pPr>
+          </a:lstStyle>
+          <a:p>
+            <a:fld id="{41D0C352-FDD2-4647-BD43-A53AD5ABFE50}" type="datetime3">
+              <a:rPr lang="en-AU" altLang="en-US" sz="1300">
+                <a:latin typeface="Times New Roman" charset="0"/>
+              </a:rPr>
+              <a:pPr/>
+              <a:t>30 September, 2018</a:t>
+            </a:fld>
+            <a:endParaRPr lang="en-AU" altLang="en-US" sz="1300">
+              <a:latin typeface="Times New Roman" charset="0"/>
+            </a:endParaRPr>
+          </a:p>
+        </p:txBody>
+      </p:sp>
+      <p:sp>
+        <p:nvSpPr>
+          <p:cNvPr id="25604" name="Rectangle 6"/>
+          <p:cNvSpPr>
+            <a:spLocks noGrp="1" noChangeArrowheads="1"/>
+          </p:cNvSpPr>
+          <p:nvPr>
+            <p:ph type="ftr" sz="quarter" idx="4"/>
+          </p:nvPr>
+        </p:nvSpPr>
+        <p:spPr>
+          <a:noFill/>
+          <a:ln/>
+          <a:extLst>
+            <a:ext uri="{909E8E84-426E-40DD-AFC4-6F175D3DCCD1}">
+              <a14:hiddenFill xmlns:a14="http://schemas.microsoft.com/office/drawing/2010/main">
+                <a:solidFill>
+                  <a:srgbClr val="FFFFFF"/>
+                </a:solidFill>
+              </a14:hiddenFill>
+            </a:ext>
+            <a:ext uri="{91240B29-F687-4F45-9708-019B960494DF}">
+              <a14:hiddenLine xmlns:a14="http://schemas.microsoft.com/office/drawing/2010/main" w="9525">
+                <a:solidFill>
+                  <a:srgbClr val="000000"/>
+                </a:solidFill>
+                <a:miter lim="800000"/>
+                <a:headEnd/>
+                <a:tailEnd/>
+              </a14:hiddenLine>
+            </a:ext>
+          </a:extLst>
+        </p:spPr>
+        <p:txBody>
+          <a:bodyPr/>
+          <a:lstStyle>
+            <a:lvl1pPr defTabSz="966788">
+              <a:defRPr sz="1600">
+                <a:solidFill>
+                  <a:schemeClr val="tx1"/>
+                </a:solidFill>
+                <a:latin typeface="Arial" charset="0"/>
+              </a:defRPr>
+            </a:lvl1pPr>
+            <a:lvl2pPr marL="742950" indent="-285750" defTabSz="966788">
+              <a:defRPr sz="1600">
+                <a:solidFill>
+                  <a:schemeClr val="tx1"/>
+                </a:solidFill>
+                <a:latin typeface="Arial" charset="0"/>
+              </a:defRPr>
+            </a:lvl2pPr>
+            <a:lvl3pPr marL="1143000" indent="-228600" defTabSz="966788">
+              <a:defRPr sz="1600">
+                <a:solidFill>
+                  <a:schemeClr val="tx1"/>
+                </a:solidFill>
+                <a:latin typeface="Arial" charset="0"/>
+              </a:defRPr>
+            </a:lvl3pPr>
+            <a:lvl4pPr marL="1600200" indent="-228600" defTabSz="966788">
+              <a:defRPr sz="1600">
+                <a:solidFill>
+                  <a:schemeClr val="tx1"/>
+                </a:solidFill>
+                <a:latin typeface="Arial" charset="0"/>
+              </a:defRPr>
+            </a:lvl4pPr>
+            <a:lvl5pPr marL="2057400" indent="-228600" defTabSz="966788">
+              <a:defRPr sz="1600">
+                <a:solidFill>
+                  <a:schemeClr val="tx1"/>
+                </a:solidFill>
+                <a:latin typeface="Arial" charset="0"/>
+              </a:defRPr>
+            </a:lvl5pPr>
+            <a:lvl6pPr marL="2514600" indent="-228600" defTabSz="966788" eaLnBrk="0" fontAlgn="base" hangingPunct="0">
+              <a:spcBef>
+                <a:spcPct val="0"/>
+              </a:spcBef>
+              <a:spcAft>
+                <a:spcPct val="0"/>
+              </a:spcAft>
+              <a:defRPr sz="1600">
+                <a:solidFill>
+                  <a:schemeClr val="tx1"/>
+                </a:solidFill>
+                <a:latin typeface="Arial" charset="0"/>
+              </a:defRPr>
+            </a:lvl6pPr>
+            <a:lvl7pPr marL="2971800" indent="-228600" defTabSz="966788" eaLnBrk="0" fontAlgn="base" hangingPunct="0">
+              <a:spcBef>
+                <a:spcPct val="0"/>
+              </a:spcBef>
+              <a:spcAft>
+                <a:spcPct val="0"/>
+              </a:spcAft>
+              <a:defRPr sz="1600">
+                <a:solidFill>
+                  <a:schemeClr val="tx1"/>
+                </a:solidFill>
+                <a:latin typeface="Arial" charset="0"/>
+              </a:defRPr>
+            </a:lvl7pPr>
+            <a:lvl8pPr marL="3429000" indent="-228600" defTabSz="966788" eaLnBrk="0" fontAlgn="base" hangingPunct="0">
+              <a:spcBef>
+                <a:spcPct val="0"/>
+              </a:spcBef>
+              <a:spcAft>
+                <a:spcPct val="0"/>
+              </a:spcAft>
+              <a:defRPr sz="1600">
+                <a:solidFill>
+                  <a:schemeClr val="tx1"/>
+                </a:solidFill>
+                <a:latin typeface="Arial" charset="0"/>
+              </a:defRPr>
+            </a:lvl8pPr>
+            <a:lvl9pPr marL="3886200" indent="-228600" defTabSz="966788" eaLnBrk="0" fontAlgn="base" hangingPunct="0">
+              <a:spcBef>
+                <a:spcPct val="0"/>
+              </a:spcBef>
+              <a:spcAft>
+                <a:spcPct val="0"/>
+              </a:spcAft>
+              <a:defRPr sz="1600">
+                <a:solidFill>
+                  <a:schemeClr val="tx1"/>
+                </a:solidFill>
+                <a:latin typeface="Arial" charset="0"/>
+              </a:defRPr>
+            </a:lvl9pPr>
+          </a:lstStyle>
+          <a:p>
+            <a:r>
+              <a:rPr lang="en-AU" altLang="en-US" sz="1300">
+                <a:latin typeface="Times New Roman" charset="0"/>
+              </a:rPr>
+              <a:t>Chapter 3 — Arithmetic for Computers</a:t>
+            </a:r>
+          </a:p>
+        </p:txBody>
+      </p:sp>
+      <p:sp>
+        <p:nvSpPr>
+          <p:cNvPr id="25605" name="Rectangle 7"/>
+          <p:cNvSpPr>
+            <a:spLocks noGrp="1" noChangeArrowheads="1"/>
+          </p:cNvSpPr>
+          <p:nvPr>
+            <p:ph type="sldNum" sz="quarter" idx="5"/>
+          </p:nvPr>
+        </p:nvSpPr>
+        <p:spPr>
+          <a:noFill/>
+          <a:ln/>
+          <a:extLst>
+            <a:ext uri="{909E8E84-426E-40DD-AFC4-6F175D3DCCD1}">
+              <a14:hiddenFill xmlns:a14="http://schemas.microsoft.com/office/drawing/2010/main">
+                <a:solidFill>
+                  <a:srgbClr val="FFFFFF"/>
+                </a:solidFill>
+              </a14:hiddenFill>
+            </a:ext>
+            <a:ext uri="{91240B29-F687-4F45-9708-019B960494DF}">
+              <a14:hiddenLine xmlns:a14="http://schemas.microsoft.com/office/drawing/2010/main" w="9525">
+                <a:solidFill>
+                  <a:srgbClr val="000000"/>
+                </a:solidFill>
+                <a:miter lim="800000"/>
+                <a:headEnd/>
+                <a:tailEnd/>
+              </a14:hiddenLine>
+            </a:ext>
+          </a:extLst>
+        </p:spPr>
+        <p:txBody>
+          <a:bodyPr/>
+          <a:lstStyle>
+            <a:lvl1pPr defTabSz="966788">
+              <a:defRPr sz="1600">
+                <a:solidFill>
+                  <a:schemeClr val="tx1"/>
+                </a:solidFill>
+                <a:latin typeface="Arial" charset="0"/>
+              </a:defRPr>
+            </a:lvl1pPr>
+            <a:lvl2pPr marL="742950" indent="-285750" defTabSz="966788">
+              <a:defRPr sz="1600">
+                <a:solidFill>
+                  <a:schemeClr val="tx1"/>
+                </a:solidFill>
+                <a:latin typeface="Arial" charset="0"/>
+              </a:defRPr>
+            </a:lvl2pPr>
+            <a:lvl3pPr marL="1143000" indent="-228600" defTabSz="966788">
+              <a:defRPr sz="1600">
+                <a:solidFill>
+                  <a:schemeClr val="tx1"/>
+                </a:solidFill>
+                <a:latin typeface="Arial" charset="0"/>
+              </a:defRPr>
+            </a:lvl3pPr>
+            <a:lvl4pPr marL="1600200" indent="-228600" defTabSz="966788">
+              <a:defRPr sz="1600">
+                <a:solidFill>
+                  <a:schemeClr val="tx1"/>
+                </a:solidFill>
+                <a:latin typeface="Arial" charset="0"/>
+              </a:defRPr>
+            </a:lvl4pPr>
+            <a:lvl5pPr marL="2057400" indent="-228600" defTabSz="966788">
+              <a:defRPr sz="1600">
+                <a:solidFill>
+                  <a:schemeClr val="tx1"/>
+                </a:solidFill>
+                <a:latin typeface="Arial" charset="0"/>
+              </a:defRPr>
+            </a:lvl5pPr>
+            <a:lvl6pPr marL="2514600" indent="-228600" defTabSz="966788" eaLnBrk="0" fontAlgn="base" hangingPunct="0">
+              <a:spcBef>
+                <a:spcPct val="0"/>
+              </a:spcBef>
+              <a:spcAft>
+                <a:spcPct val="0"/>
+              </a:spcAft>
+              <a:defRPr sz="1600">
+                <a:solidFill>
+                  <a:schemeClr val="tx1"/>
+                </a:solidFill>
+                <a:latin typeface="Arial" charset="0"/>
+              </a:defRPr>
+            </a:lvl6pPr>
+            <a:lvl7pPr marL="2971800" indent="-228600" defTabSz="966788" eaLnBrk="0" fontAlgn="base" hangingPunct="0">
+              <a:spcBef>
+                <a:spcPct val="0"/>
+              </a:spcBef>
+              <a:spcAft>
+                <a:spcPct val="0"/>
+              </a:spcAft>
+              <a:defRPr sz="1600">
+                <a:solidFill>
+                  <a:schemeClr val="tx1"/>
+                </a:solidFill>
+                <a:latin typeface="Arial" charset="0"/>
+              </a:defRPr>
+            </a:lvl7pPr>
+            <a:lvl8pPr marL="3429000" indent="-228600" defTabSz="966788" eaLnBrk="0" fontAlgn="base" hangingPunct="0">
+              <a:spcBef>
+                <a:spcPct val="0"/>
+              </a:spcBef>
+              <a:spcAft>
+                <a:spcPct val="0"/>
+              </a:spcAft>
+              <a:defRPr sz="1600">
+                <a:solidFill>
+                  <a:schemeClr val="tx1"/>
+                </a:solidFill>
+                <a:latin typeface="Arial" charset="0"/>
+              </a:defRPr>
+            </a:lvl8pPr>
+            <a:lvl9pPr marL="3886200" indent="-228600" defTabSz="966788" eaLnBrk="0" fontAlgn="base" hangingPunct="0">
+              <a:spcBef>
+                <a:spcPct val="0"/>
+              </a:spcBef>
+              <a:spcAft>
+                <a:spcPct val="0"/>
+              </a:spcAft>
+              <a:defRPr sz="1600">
+                <a:solidFill>
+                  <a:schemeClr val="tx1"/>
+                </a:solidFill>
+                <a:latin typeface="Arial" charset="0"/>
+              </a:defRPr>
+            </a:lvl9pPr>
+          </a:lstStyle>
+          <a:p>
+            <a:fld id="{C047A65F-01B3-E748-A610-E8064FDF3ABA}" type="slidenum">
+              <a:rPr lang="en-AU" altLang="en-US" sz="1300">
+                <a:latin typeface="Times New Roman" charset="0"/>
+              </a:rPr>
+              <a:pPr/>
+              <a:t>22</a:t>
+            </a:fld>
+            <a:endParaRPr lang="en-AU" altLang="en-US" sz="1300">
+              <a:latin typeface="Times New Roman" charset="0"/>
+            </a:endParaRPr>
+          </a:p>
+        </p:txBody>
+      </p:sp>
+      <p:sp>
+        <p:nvSpPr>
+          <p:cNvPr id="25606" name="Rectangle 2"/>
+          <p:cNvSpPr>
+            <a:spLocks noGrp="1" noRot="1" noChangeAspect="1" noChangeArrowheads="1" noTextEdit="1"/>
           </p:cNvSpPr>
           <p:nvPr>
             <p:ph type="sldImg"/>
           </p:nvPr>
         </p:nvSpPr>
-        <p:spPr/>
-      </p:sp>
-      <p:sp>
-        <p:nvSpPr>
-          <p:cNvPr id="3" name="Notes Placeholder 2"/>
-          <p:cNvSpPr>
-            <a:spLocks noGrp="1"/>
+        <p:spPr>
+          <a:ln/>
+        </p:spPr>
+      </p:sp>
+      <p:sp>
+        <p:nvSpPr>
+          <p:cNvPr id="25607" name="Rectangle 3"/>
+          <p:cNvSpPr>
+            <a:spLocks noGrp="1" noChangeArrowheads="1"/>
           </p:cNvSpPr>
           <p:nvPr>
             <p:ph type="body" idx="1"/>
           </p:nvPr>
         </p:nvSpPr>
-        <p:spPr/>
-        <p:txBody>
-          <a:bodyPr/>
-          <a:lstStyle/>
-          <a:p>
-            <a:endParaRPr lang="en-US" dirty="0"/>
-          </a:p>
-        </p:txBody>
-      </p:sp>
-      <p:sp>
-        <p:nvSpPr>
-          <p:cNvPr id="4" name="Header Placeholder 3"/>
-          <p:cNvSpPr>
-            <a:spLocks noGrp="1"/>
-          </p:cNvSpPr>
-          <p:nvPr>
-            <p:ph type="hdr" sz="quarter" idx="10"/>
-          </p:nvPr>
-        </p:nvSpPr>
-        <p:spPr/>
-        <p:txBody>
-          <a:bodyPr/>
-          <a:lstStyle/>
-          <a:p>
-            <a:pPr>
+        <p:spPr>
+          <a:noFill/>
+          <a:ln/>
+          <a:extLst>
+            <a:ext uri="{909E8E84-426E-40DD-AFC4-6F175D3DCCD1}">
+              <a14:hiddenFill xmlns:a14="http://schemas.microsoft.com/office/drawing/2010/main">
+                <a:solidFill>
+                  <a:srgbClr val="FFFFFF"/>
+                </a:solidFill>
+              </a14:hiddenFill>
+            </a:ext>
+            <a:ext uri="{91240B29-F687-4F45-9708-019B960494DF}">
+              <a14:hiddenLine xmlns:a14="http://schemas.microsoft.com/office/drawing/2010/main" w="9525">
+                <a:solidFill>
+                  <a:srgbClr val="000000"/>
+                </a:solidFill>
+                <a:miter lim="800000"/>
+                <a:headEnd/>
+                <a:tailEnd/>
+              </a14:hiddenLine>
+            </a:ext>
+            <a:ext uri="{FAA26D3D-D897-4be2-8F04-BA451C77F1D7}">
+              <ma14:placeholderFlag xmlns:ma14="http://schemas.microsoft.com/office/mac/drawingml/2011/main" xmlns="" val="1"/>
+            </a:ext>
+          </a:extLst>
+        </p:spPr>
+        <p:txBody>
+          <a:bodyPr/>
+          <a:lstStyle/>
+          <a:p>
+            <a:pPr marL="0" marR="0" indent="0" algn="l" defTabSz="914400" rtl="0" eaLnBrk="0" fontAlgn="base" latinLnBrk="0" hangingPunct="0">
+              <a:lnSpc>
+                <a:spcPct val="100000"/>
+              </a:lnSpc>
+              <a:spcBef>
+                <a:spcPct val="30000"/>
+              </a:spcBef>
+              <a:spcAft>
+                <a:spcPct val="0"/>
+              </a:spcAft>
+              <a:buClrTx/>
+              <a:buSzTx/>
+              <a:buFontTx/>
+              <a:buNone/>
+              <a:tabLst/>
               <a:defRPr/>
             </a:pPr>
             <a:r>
-              <a:rPr lang="en-US"/>
-              <a:t>Morgan Kaufmann Publishers</a:t>
-            </a:r>
-          </a:p>
-        </p:txBody>
-      </p:sp>
-      <p:sp>
-        <p:nvSpPr>
-          <p:cNvPr id="5" name="Date Placeholder 4"/>
-          <p:cNvSpPr>
-            <a:spLocks noGrp="1"/>
-          </p:cNvSpPr>
-          <p:nvPr>
-            <p:ph type="dt" idx="11"/>
-          </p:nvPr>
-        </p:nvSpPr>
-        <p:spPr/>
-        <p:txBody>
-          <a:bodyPr/>
-          <a:lstStyle/>
-          <a:p>
-            <a:pPr>
-              <a:defRPr/>
-            </a:pPr>
-            <a:fld id="{97CC6111-B6E0-AF42-811D-9B96DE72BDAA}" type="datetime4">
-              <a:rPr lang="en-US" smtClean="0"/>
-              <a:pPr>
-                <a:defRPr/>
-              </a:pPr>
-              <a:t>August 31, 2018</a:t>
-            </a:fld>
-            <a:endParaRPr lang="en-US"/>
-          </a:p>
-        </p:txBody>
-      </p:sp>
-      <p:sp>
-        <p:nvSpPr>
-          <p:cNvPr id="6" name="Footer Placeholder 5"/>
-          <p:cNvSpPr>
-            <a:spLocks noGrp="1"/>
-          </p:cNvSpPr>
-          <p:nvPr>
-            <p:ph type="ftr" sz="quarter" idx="12"/>
-          </p:nvPr>
-        </p:nvSpPr>
-        <p:spPr/>
-        <p:txBody>
-          <a:bodyPr/>
-          <a:lstStyle/>
-          <a:p>
-            <a:pPr>
-              <a:defRPr/>
-            </a:pPr>
-            <a:r>
-              <a:rPr lang="en-US"/>
-              <a:t>Chapter 1 — Computer Abstractions and Technology</a:t>
-            </a:r>
-          </a:p>
-        </p:txBody>
-      </p:sp>
-      <p:sp>
-        <p:nvSpPr>
-          <p:cNvPr id="7" name="Slide Number Placeholder 6"/>
-          <p:cNvSpPr>
-            <a:spLocks noGrp="1"/>
-          </p:cNvSpPr>
-          <p:nvPr>
-            <p:ph type="sldNum" sz="quarter" idx="13"/>
-          </p:nvPr>
-        </p:nvSpPr>
-        <p:spPr/>
-        <p:txBody>
-          <a:bodyPr/>
-          <a:lstStyle/>
-          <a:p>
-            <a:pPr>
-              <a:defRPr/>
-            </a:pPr>
-            <a:fld id="{F08FD2BB-A72E-D242-B9C0-C256E65997B2}" type="slidenum">
-              <a:rPr lang="en-US" altLang="en-US" smtClean="0"/>
-              <a:pPr>
-                <a:defRPr/>
-              </a:pPr>
-              <a:t>22</a:t>
-            </a:fld>
-            <a:endParaRPr lang="en-US" altLang="en-US"/>
+              <a:rPr lang="en-US" dirty="0"/>
+              <a:t>So let’s add two numbers</a:t>
+            </a:r>
+            <a:r>
+              <a:rPr lang="mr-IN" dirty="0"/>
+              <a:t>…</a:t>
+            </a:r>
+            <a:r>
+              <a:rPr lang="en-US" dirty="0"/>
+              <a:t>exercise</a:t>
+            </a:r>
+            <a:r>
+              <a:rPr lang="en-US" baseline="0" dirty="0">
+                <a:latin typeface="Times New Roman" charset="0"/>
+              </a:rPr>
+              <a:t> with at least one negative number.</a:t>
+            </a:r>
+            <a:endParaRPr lang="en-US" dirty="0"/>
           </a:p>
         </p:txBody>
       </p:sp>
     </p:spTree>
     <p:extLst>
       <p:ext uri="{BB962C8B-B14F-4D97-AF65-F5344CB8AC3E}">
-        <p14:creationId xmlns:p14="http://schemas.microsoft.com/office/powerpoint/2010/main" val="38718772"/>
+        <p14:creationId xmlns:p14="http://schemas.microsoft.com/office/powerpoint/2010/main" val="798696267"/>
       </p:ext>
     </p:extLst>
   </p:cSld>
@@ -3303,142 +3828,72 @@
       </p:grpSpPr>
       <p:sp>
         <p:nvSpPr>
-          <p:cNvPr id="25602" name="Rectangle 2"/>
-          <p:cNvSpPr>
-            <a:spLocks noGrp="1" noChangeArrowheads="1"/>
-          </p:cNvSpPr>
-          <p:nvPr>
-            <p:ph type="hdr" sz="quarter"/>
-          </p:nvPr>
-        </p:nvSpPr>
-        <p:spPr>
-          <a:noFill/>
-          <a:ln/>
-          <a:extLst>
-            <a:ext uri="{909E8E84-426E-40DD-AFC4-6F175D3DCCD1}">
-              <a14:hiddenFill xmlns:a14="http://schemas.microsoft.com/office/drawing/2010/main">
-                <a:solidFill>
-                  <a:srgbClr val="FFFFFF"/>
-                </a:solidFill>
-              </a14:hiddenFill>
-            </a:ext>
-            <a:ext uri="{91240B29-F687-4F45-9708-019B960494DF}">
-              <a14:hiddenLine xmlns:a14="http://schemas.microsoft.com/office/drawing/2010/main" w="9525">
-                <a:solidFill>
-                  <a:srgbClr val="000000"/>
-                </a:solidFill>
-                <a:miter lim="800000"/>
-                <a:headEnd/>
-                <a:tailEnd/>
-              </a14:hiddenLine>
-            </a:ext>
-          </a:extLst>
-        </p:spPr>
-        <p:txBody>
-          <a:bodyPr/>
-          <a:lstStyle>
-            <a:lvl1pPr defTabSz="966788">
-              <a:defRPr sz="1600">
-                <a:solidFill>
-                  <a:schemeClr val="tx1"/>
-                </a:solidFill>
-                <a:latin typeface="Arial" charset="0"/>
-              </a:defRPr>
-            </a:lvl1pPr>
-            <a:lvl2pPr marL="742950" indent="-285750" defTabSz="966788">
-              <a:defRPr sz="1600">
-                <a:solidFill>
-                  <a:schemeClr val="tx1"/>
-                </a:solidFill>
-                <a:latin typeface="Arial" charset="0"/>
-              </a:defRPr>
-            </a:lvl2pPr>
-            <a:lvl3pPr marL="1143000" indent="-228600" defTabSz="966788">
-              <a:defRPr sz="1600">
-                <a:solidFill>
-                  <a:schemeClr val="tx1"/>
-                </a:solidFill>
-                <a:latin typeface="Arial" charset="0"/>
-              </a:defRPr>
-            </a:lvl3pPr>
-            <a:lvl4pPr marL="1600200" indent="-228600" defTabSz="966788">
-              <a:defRPr sz="1600">
-                <a:solidFill>
-                  <a:schemeClr val="tx1"/>
-                </a:solidFill>
-                <a:latin typeface="Arial" charset="0"/>
-              </a:defRPr>
-            </a:lvl4pPr>
-            <a:lvl5pPr marL="2057400" indent="-228600" defTabSz="966788">
-              <a:defRPr sz="1600">
-                <a:solidFill>
-                  <a:schemeClr val="tx1"/>
-                </a:solidFill>
-                <a:latin typeface="Arial" charset="0"/>
-              </a:defRPr>
-            </a:lvl5pPr>
-            <a:lvl6pPr marL="2514600" indent="-228600" defTabSz="966788" eaLnBrk="0" fontAlgn="base" hangingPunct="0">
-              <a:spcBef>
-                <a:spcPct val="0"/>
-              </a:spcBef>
-              <a:spcAft>
-                <a:spcPct val="0"/>
-              </a:spcAft>
-              <a:defRPr sz="1600">
-                <a:solidFill>
-                  <a:schemeClr val="tx1"/>
-                </a:solidFill>
-                <a:latin typeface="Arial" charset="0"/>
-              </a:defRPr>
-            </a:lvl6pPr>
-            <a:lvl7pPr marL="2971800" indent="-228600" defTabSz="966788" eaLnBrk="0" fontAlgn="base" hangingPunct="0">
-              <a:spcBef>
-                <a:spcPct val="0"/>
-              </a:spcBef>
-              <a:spcAft>
-                <a:spcPct val="0"/>
-              </a:spcAft>
-              <a:defRPr sz="1600">
-                <a:solidFill>
-                  <a:schemeClr val="tx1"/>
-                </a:solidFill>
-                <a:latin typeface="Arial" charset="0"/>
-              </a:defRPr>
-            </a:lvl7pPr>
-            <a:lvl8pPr marL="3429000" indent="-228600" defTabSz="966788" eaLnBrk="0" fontAlgn="base" hangingPunct="0">
-              <a:spcBef>
-                <a:spcPct val="0"/>
-              </a:spcBef>
-              <a:spcAft>
-                <a:spcPct val="0"/>
-              </a:spcAft>
-              <a:defRPr sz="1600">
-                <a:solidFill>
-                  <a:schemeClr val="tx1"/>
-                </a:solidFill>
-                <a:latin typeface="Arial" charset="0"/>
-              </a:defRPr>
-            </a:lvl8pPr>
-            <a:lvl9pPr marL="3886200" indent="-228600" defTabSz="966788" eaLnBrk="0" fontAlgn="base" hangingPunct="0">
-              <a:spcBef>
-                <a:spcPct val="0"/>
-              </a:spcBef>
-              <a:spcAft>
-                <a:spcPct val="0"/>
-              </a:spcAft>
-              <a:defRPr sz="1600">
-                <a:solidFill>
-                  <a:schemeClr val="tx1"/>
-                </a:solidFill>
-                <a:latin typeface="Arial" charset="0"/>
-              </a:defRPr>
-            </a:lvl9pPr>
-          </a:lstStyle>
-          <a:p>
-            <a:r>
-              <a:rPr lang="en-AU" altLang="en-US" sz="1300">
-                <a:latin typeface="Times New Roman" charset="0"/>
-              </a:rPr>
+          <p:cNvPr id="2" name="Slide Image Placeholder 1"/>
+          <p:cNvSpPr>
+            <a:spLocks noGrp="1" noRot="1" noChangeAspect="1"/>
+          </p:cNvSpPr>
+          <p:nvPr>
+            <p:ph type="sldImg"/>
+          </p:nvPr>
+        </p:nvSpPr>
+        <p:spPr/>
+      </p:sp>
+      <p:sp>
+        <p:nvSpPr>
+          <p:cNvPr id="3" name="Notes Placeholder 2"/>
+          <p:cNvSpPr>
+            <a:spLocks noGrp="1"/>
+          </p:cNvSpPr>
+          <p:nvPr>
+            <p:ph type="body" idx="1"/>
+          </p:nvPr>
+        </p:nvSpPr>
+        <p:spPr/>
+        <p:txBody>
+          <a:bodyPr/>
+          <a:lstStyle/>
+          <a:p>
+            <a:r>
+              <a:rPr lang="en-US" dirty="0"/>
+              <a:t>Rather than implementing</a:t>
+            </a:r>
+            <a:r>
+              <a:rPr lang="en-US" baseline="0" dirty="0"/>
+              <a:t> both add and subtract, we can save some transistors and just implement add.</a:t>
+            </a:r>
+          </a:p>
+          <a:p>
+            <a:endParaRPr lang="en-US" baseline="0" dirty="0"/>
+          </a:p>
+          <a:p>
+            <a:r>
+              <a:rPr lang="en-US" baseline="0" dirty="0"/>
+              <a:t>This also exhibits how we don't need to treat negative numbers any differently when using 2's complement!</a:t>
+            </a:r>
+            <a:endParaRPr lang="en-US" dirty="0"/>
+          </a:p>
+        </p:txBody>
+      </p:sp>
+      <p:sp>
+        <p:nvSpPr>
+          <p:cNvPr id="4" name="Header Placeholder 3"/>
+          <p:cNvSpPr>
+            <a:spLocks noGrp="1"/>
+          </p:cNvSpPr>
+          <p:nvPr>
+            <p:ph type="hdr" sz="quarter" idx="10"/>
+          </p:nvPr>
+        </p:nvSpPr>
+        <p:spPr/>
+        <p:txBody>
+          <a:bodyPr/>
+          <a:lstStyle/>
+          <a:p>
+            <a:pPr>
+              <a:defRPr/>
+            </a:pPr>
+            <a:r>
+              <a:rPr lang="en-US"/>
               <a:t>Morgan Kaufmann Publishers</a:t>
             </a:r>
           </a:p>
@@ -3446,538 +3901,91 @@
       </p:sp>
       <p:sp>
         <p:nvSpPr>
-          <p:cNvPr id="25603" name="Rectangle 3"/>
-          <p:cNvSpPr>
-            <a:spLocks noGrp="1" noChangeArrowheads="1"/>
-          </p:cNvSpPr>
-          <p:nvPr>
-            <p:ph type="dt" sz="quarter" idx="1"/>
-          </p:nvPr>
-        </p:nvSpPr>
-        <p:spPr>
-          <a:noFill/>
-          <a:ln/>
-          <a:extLst>
-            <a:ext uri="{909E8E84-426E-40DD-AFC4-6F175D3DCCD1}">
-              <a14:hiddenFill xmlns:a14="http://schemas.microsoft.com/office/drawing/2010/main">
-                <a:solidFill>
-                  <a:srgbClr val="FFFFFF"/>
-                </a:solidFill>
-              </a14:hiddenFill>
-            </a:ext>
-            <a:ext uri="{91240B29-F687-4F45-9708-019B960494DF}">
-              <a14:hiddenLine xmlns:a14="http://schemas.microsoft.com/office/drawing/2010/main" w="9525">
-                <a:solidFill>
-                  <a:srgbClr val="000000"/>
-                </a:solidFill>
-                <a:miter lim="800000"/>
-                <a:headEnd/>
-                <a:tailEnd/>
-              </a14:hiddenLine>
-            </a:ext>
-          </a:extLst>
-        </p:spPr>
-        <p:txBody>
-          <a:bodyPr/>
-          <a:lstStyle>
-            <a:lvl1pPr defTabSz="966788">
-              <a:defRPr sz="1600">
-                <a:solidFill>
-                  <a:schemeClr val="tx1"/>
-                </a:solidFill>
-                <a:latin typeface="Arial" charset="0"/>
-              </a:defRPr>
-            </a:lvl1pPr>
-            <a:lvl2pPr marL="742950" indent="-285750" defTabSz="966788">
-              <a:defRPr sz="1600">
-                <a:solidFill>
-                  <a:schemeClr val="tx1"/>
-                </a:solidFill>
-                <a:latin typeface="Arial" charset="0"/>
-              </a:defRPr>
-            </a:lvl2pPr>
-            <a:lvl3pPr marL="1143000" indent="-228600" defTabSz="966788">
-              <a:defRPr sz="1600">
-                <a:solidFill>
-                  <a:schemeClr val="tx1"/>
-                </a:solidFill>
-                <a:latin typeface="Arial" charset="0"/>
-              </a:defRPr>
-            </a:lvl3pPr>
-            <a:lvl4pPr marL="1600200" indent="-228600" defTabSz="966788">
-              <a:defRPr sz="1600">
-                <a:solidFill>
-                  <a:schemeClr val="tx1"/>
-                </a:solidFill>
-                <a:latin typeface="Arial" charset="0"/>
-              </a:defRPr>
-            </a:lvl4pPr>
-            <a:lvl5pPr marL="2057400" indent="-228600" defTabSz="966788">
-              <a:defRPr sz="1600">
-                <a:solidFill>
-                  <a:schemeClr val="tx1"/>
-                </a:solidFill>
-                <a:latin typeface="Arial" charset="0"/>
-              </a:defRPr>
-            </a:lvl5pPr>
-            <a:lvl6pPr marL="2514600" indent="-228600" defTabSz="966788" eaLnBrk="0" fontAlgn="base" hangingPunct="0">
-              <a:spcBef>
-                <a:spcPct val="0"/>
-              </a:spcBef>
-              <a:spcAft>
-                <a:spcPct val="0"/>
-              </a:spcAft>
-              <a:defRPr sz="1600">
-                <a:solidFill>
-                  <a:schemeClr val="tx1"/>
-                </a:solidFill>
-                <a:latin typeface="Arial" charset="0"/>
-              </a:defRPr>
-            </a:lvl6pPr>
-            <a:lvl7pPr marL="2971800" indent="-228600" defTabSz="966788" eaLnBrk="0" fontAlgn="base" hangingPunct="0">
-              <a:spcBef>
-                <a:spcPct val="0"/>
-              </a:spcBef>
-              <a:spcAft>
-                <a:spcPct val="0"/>
-              </a:spcAft>
-              <a:defRPr sz="1600">
-                <a:solidFill>
-                  <a:schemeClr val="tx1"/>
-                </a:solidFill>
-                <a:latin typeface="Arial" charset="0"/>
-              </a:defRPr>
-            </a:lvl7pPr>
-            <a:lvl8pPr marL="3429000" indent="-228600" defTabSz="966788" eaLnBrk="0" fontAlgn="base" hangingPunct="0">
-              <a:spcBef>
-                <a:spcPct val="0"/>
-              </a:spcBef>
-              <a:spcAft>
-                <a:spcPct val="0"/>
-              </a:spcAft>
-              <a:defRPr sz="1600">
-                <a:solidFill>
-                  <a:schemeClr val="tx1"/>
-                </a:solidFill>
-                <a:latin typeface="Arial" charset="0"/>
-              </a:defRPr>
-            </a:lvl8pPr>
-            <a:lvl9pPr marL="3886200" indent="-228600" defTabSz="966788" eaLnBrk="0" fontAlgn="base" hangingPunct="0">
-              <a:spcBef>
-                <a:spcPct val="0"/>
-              </a:spcBef>
-              <a:spcAft>
-                <a:spcPct val="0"/>
-              </a:spcAft>
-              <a:defRPr sz="1600">
-                <a:solidFill>
-                  <a:schemeClr val="tx1"/>
-                </a:solidFill>
-                <a:latin typeface="Arial" charset="0"/>
-              </a:defRPr>
-            </a:lvl9pPr>
-          </a:lstStyle>
-          <a:p>
-            <a:fld id="{41D0C352-FDD2-4647-BD43-A53AD5ABFE50}" type="datetime3">
-              <a:rPr lang="en-AU" altLang="en-US" sz="1300">
-                <a:latin typeface="Times New Roman" charset="0"/>
-              </a:rPr>
-              <a:pPr/>
-              <a:t>31 August, 2018</a:t>
+          <p:cNvPr id="5" name="Date Placeholder 4"/>
+          <p:cNvSpPr>
+            <a:spLocks noGrp="1"/>
+          </p:cNvSpPr>
+          <p:nvPr>
+            <p:ph type="dt" idx="11"/>
+          </p:nvPr>
+        </p:nvSpPr>
+        <p:spPr/>
+        <p:txBody>
+          <a:bodyPr/>
+          <a:lstStyle/>
+          <a:p>
+            <a:pPr>
+              <a:defRPr/>
+            </a:pPr>
+            <a:fld id="{97CC6111-B6E0-AF42-811D-9B96DE72BDAA}" type="datetime4">
+              <a:rPr lang="en-US" smtClean="0"/>
+              <a:pPr>
+                <a:defRPr/>
+              </a:pPr>
+              <a:t>September 30, 2018</a:t>
             </a:fld>
-            <a:endParaRPr lang="en-AU" altLang="en-US" sz="1300">
-              <a:latin typeface="Times New Roman" charset="0"/>
-            </a:endParaRPr>
-          </a:p>
-        </p:txBody>
-      </p:sp>
-      <p:sp>
-        <p:nvSpPr>
-          <p:cNvPr id="25604" name="Rectangle 6"/>
-          <p:cNvSpPr>
-            <a:spLocks noGrp="1" noChangeArrowheads="1"/>
-          </p:cNvSpPr>
-          <p:nvPr>
-            <p:ph type="ftr" sz="quarter" idx="4"/>
-          </p:nvPr>
-        </p:nvSpPr>
-        <p:spPr>
-          <a:noFill/>
-          <a:ln/>
-          <a:extLst>
-            <a:ext uri="{909E8E84-426E-40DD-AFC4-6F175D3DCCD1}">
-              <a14:hiddenFill xmlns:a14="http://schemas.microsoft.com/office/drawing/2010/main">
-                <a:solidFill>
-                  <a:srgbClr val="FFFFFF"/>
-                </a:solidFill>
-              </a14:hiddenFill>
-            </a:ext>
-            <a:ext uri="{91240B29-F687-4F45-9708-019B960494DF}">
-              <a14:hiddenLine xmlns:a14="http://schemas.microsoft.com/office/drawing/2010/main" w="9525">
-                <a:solidFill>
-                  <a:srgbClr val="000000"/>
-                </a:solidFill>
-                <a:miter lim="800000"/>
-                <a:headEnd/>
-                <a:tailEnd/>
-              </a14:hiddenLine>
-            </a:ext>
-          </a:extLst>
-        </p:spPr>
-        <p:txBody>
-          <a:bodyPr/>
-          <a:lstStyle>
-            <a:lvl1pPr defTabSz="966788">
-              <a:defRPr sz="1600">
-                <a:solidFill>
-                  <a:schemeClr val="tx1"/>
-                </a:solidFill>
-                <a:latin typeface="Arial" charset="0"/>
-              </a:defRPr>
-            </a:lvl1pPr>
-            <a:lvl2pPr marL="742950" indent="-285750" defTabSz="966788">
-              <a:defRPr sz="1600">
-                <a:solidFill>
-                  <a:schemeClr val="tx1"/>
-                </a:solidFill>
-                <a:latin typeface="Arial" charset="0"/>
-              </a:defRPr>
-            </a:lvl2pPr>
-            <a:lvl3pPr marL="1143000" indent="-228600" defTabSz="966788">
-              <a:defRPr sz="1600">
-                <a:solidFill>
-                  <a:schemeClr val="tx1"/>
-                </a:solidFill>
-                <a:latin typeface="Arial" charset="0"/>
-              </a:defRPr>
-            </a:lvl3pPr>
-            <a:lvl4pPr marL="1600200" indent="-228600" defTabSz="966788">
-              <a:defRPr sz="1600">
-                <a:solidFill>
-                  <a:schemeClr val="tx1"/>
-                </a:solidFill>
-                <a:latin typeface="Arial" charset="0"/>
-              </a:defRPr>
-            </a:lvl4pPr>
-            <a:lvl5pPr marL="2057400" indent="-228600" defTabSz="966788">
-              <a:defRPr sz="1600">
-                <a:solidFill>
-                  <a:schemeClr val="tx1"/>
-                </a:solidFill>
-                <a:latin typeface="Arial" charset="0"/>
-              </a:defRPr>
-            </a:lvl5pPr>
-            <a:lvl6pPr marL="2514600" indent="-228600" defTabSz="966788" eaLnBrk="0" fontAlgn="base" hangingPunct="0">
-              <a:spcBef>
-                <a:spcPct val="0"/>
-              </a:spcBef>
-              <a:spcAft>
-                <a:spcPct val="0"/>
-              </a:spcAft>
-              <a:defRPr sz="1600">
-                <a:solidFill>
-                  <a:schemeClr val="tx1"/>
-                </a:solidFill>
-                <a:latin typeface="Arial" charset="0"/>
-              </a:defRPr>
-            </a:lvl6pPr>
-            <a:lvl7pPr marL="2971800" indent="-228600" defTabSz="966788" eaLnBrk="0" fontAlgn="base" hangingPunct="0">
-              <a:spcBef>
-                <a:spcPct val="0"/>
-              </a:spcBef>
-              <a:spcAft>
-                <a:spcPct val="0"/>
-              </a:spcAft>
-              <a:defRPr sz="1600">
-                <a:solidFill>
-                  <a:schemeClr val="tx1"/>
-                </a:solidFill>
-                <a:latin typeface="Arial" charset="0"/>
-              </a:defRPr>
-            </a:lvl7pPr>
-            <a:lvl8pPr marL="3429000" indent="-228600" defTabSz="966788" eaLnBrk="0" fontAlgn="base" hangingPunct="0">
-              <a:spcBef>
-                <a:spcPct val="0"/>
-              </a:spcBef>
-              <a:spcAft>
-                <a:spcPct val="0"/>
-              </a:spcAft>
-              <a:defRPr sz="1600">
-                <a:solidFill>
-                  <a:schemeClr val="tx1"/>
-                </a:solidFill>
-                <a:latin typeface="Arial" charset="0"/>
-              </a:defRPr>
-            </a:lvl8pPr>
-            <a:lvl9pPr marL="3886200" indent="-228600" defTabSz="966788" eaLnBrk="0" fontAlgn="base" hangingPunct="0">
-              <a:spcBef>
-                <a:spcPct val="0"/>
-              </a:spcBef>
-              <a:spcAft>
-                <a:spcPct val="0"/>
-              </a:spcAft>
-              <a:defRPr sz="1600">
-                <a:solidFill>
-                  <a:schemeClr val="tx1"/>
-                </a:solidFill>
-                <a:latin typeface="Arial" charset="0"/>
-              </a:defRPr>
-            </a:lvl9pPr>
-          </a:lstStyle>
-          <a:p>
-            <a:r>
-              <a:rPr lang="en-AU" altLang="en-US" sz="1300">
-                <a:latin typeface="Times New Roman" charset="0"/>
-              </a:rPr>
-              <a:t>Chapter 3 — Arithmetic for Computers</a:t>
-            </a:r>
-          </a:p>
-        </p:txBody>
-      </p:sp>
-      <p:sp>
-        <p:nvSpPr>
-          <p:cNvPr id="25605" name="Rectangle 7"/>
-          <p:cNvSpPr>
-            <a:spLocks noGrp="1" noChangeArrowheads="1"/>
-          </p:cNvSpPr>
-          <p:nvPr>
-            <p:ph type="sldNum" sz="quarter" idx="5"/>
-          </p:nvPr>
-        </p:nvSpPr>
-        <p:spPr>
-          <a:noFill/>
-          <a:ln/>
-          <a:extLst>
-            <a:ext uri="{909E8E84-426E-40DD-AFC4-6F175D3DCCD1}">
-              <a14:hiddenFill xmlns:a14="http://schemas.microsoft.com/office/drawing/2010/main">
-                <a:solidFill>
-                  <a:srgbClr val="FFFFFF"/>
-                </a:solidFill>
-              </a14:hiddenFill>
-            </a:ext>
-            <a:ext uri="{91240B29-F687-4F45-9708-019B960494DF}">
-              <a14:hiddenLine xmlns:a14="http://schemas.microsoft.com/office/drawing/2010/main" w="9525">
-                <a:solidFill>
-                  <a:srgbClr val="000000"/>
-                </a:solidFill>
-                <a:miter lim="800000"/>
-                <a:headEnd/>
-                <a:tailEnd/>
-              </a14:hiddenLine>
-            </a:ext>
-          </a:extLst>
-        </p:spPr>
-        <p:txBody>
-          <a:bodyPr/>
-          <a:lstStyle>
-            <a:lvl1pPr defTabSz="966788">
-              <a:defRPr sz="1600">
-                <a:solidFill>
-                  <a:schemeClr val="tx1"/>
-                </a:solidFill>
-                <a:latin typeface="Arial" charset="0"/>
-              </a:defRPr>
-            </a:lvl1pPr>
-            <a:lvl2pPr marL="742950" indent="-285750" defTabSz="966788">
-              <a:defRPr sz="1600">
-                <a:solidFill>
-                  <a:schemeClr val="tx1"/>
-                </a:solidFill>
-                <a:latin typeface="Arial" charset="0"/>
-              </a:defRPr>
-            </a:lvl2pPr>
-            <a:lvl3pPr marL="1143000" indent="-228600" defTabSz="966788">
-              <a:defRPr sz="1600">
-                <a:solidFill>
-                  <a:schemeClr val="tx1"/>
-                </a:solidFill>
-                <a:latin typeface="Arial" charset="0"/>
-              </a:defRPr>
-            </a:lvl3pPr>
-            <a:lvl4pPr marL="1600200" indent="-228600" defTabSz="966788">
-              <a:defRPr sz="1600">
-                <a:solidFill>
-                  <a:schemeClr val="tx1"/>
-                </a:solidFill>
-                <a:latin typeface="Arial" charset="0"/>
-              </a:defRPr>
-            </a:lvl4pPr>
-            <a:lvl5pPr marL="2057400" indent="-228600" defTabSz="966788">
-              <a:defRPr sz="1600">
-                <a:solidFill>
-                  <a:schemeClr val="tx1"/>
-                </a:solidFill>
-                <a:latin typeface="Arial" charset="0"/>
-              </a:defRPr>
-            </a:lvl5pPr>
-            <a:lvl6pPr marL="2514600" indent="-228600" defTabSz="966788" eaLnBrk="0" fontAlgn="base" hangingPunct="0">
-              <a:spcBef>
-                <a:spcPct val="0"/>
-              </a:spcBef>
-              <a:spcAft>
-                <a:spcPct val="0"/>
-              </a:spcAft>
-              <a:defRPr sz="1600">
-                <a:solidFill>
-                  <a:schemeClr val="tx1"/>
-                </a:solidFill>
-                <a:latin typeface="Arial" charset="0"/>
-              </a:defRPr>
-            </a:lvl6pPr>
-            <a:lvl7pPr marL="2971800" indent="-228600" defTabSz="966788" eaLnBrk="0" fontAlgn="base" hangingPunct="0">
-              <a:spcBef>
-                <a:spcPct val="0"/>
-              </a:spcBef>
-              <a:spcAft>
-                <a:spcPct val="0"/>
-              </a:spcAft>
-              <a:defRPr sz="1600">
-                <a:solidFill>
-                  <a:schemeClr val="tx1"/>
-                </a:solidFill>
-                <a:latin typeface="Arial" charset="0"/>
-              </a:defRPr>
-            </a:lvl7pPr>
-            <a:lvl8pPr marL="3429000" indent="-228600" defTabSz="966788" eaLnBrk="0" fontAlgn="base" hangingPunct="0">
-              <a:spcBef>
-                <a:spcPct val="0"/>
-              </a:spcBef>
-              <a:spcAft>
-                <a:spcPct val="0"/>
-              </a:spcAft>
-              <a:defRPr sz="1600">
-                <a:solidFill>
-                  <a:schemeClr val="tx1"/>
-                </a:solidFill>
-                <a:latin typeface="Arial" charset="0"/>
-              </a:defRPr>
-            </a:lvl8pPr>
-            <a:lvl9pPr marL="3886200" indent="-228600" defTabSz="966788" eaLnBrk="0" fontAlgn="base" hangingPunct="0">
-              <a:spcBef>
-                <a:spcPct val="0"/>
-              </a:spcBef>
-              <a:spcAft>
-                <a:spcPct val="0"/>
-              </a:spcAft>
-              <a:defRPr sz="1600">
-                <a:solidFill>
-                  <a:schemeClr val="tx1"/>
-                </a:solidFill>
-                <a:latin typeface="Arial" charset="0"/>
-              </a:defRPr>
-            </a:lvl9pPr>
-          </a:lstStyle>
-          <a:p>
-            <a:fld id="{C047A65F-01B3-E748-A610-E8064FDF3ABA}" type="slidenum">
-              <a:rPr lang="en-AU" altLang="en-US" sz="1300">
-                <a:latin typeface="Times New Roman" charset="0"/>
-              </a:rPr>
-              <a:pPr/>
+            <a:endParaRPr lang="en-US"/>
+          </a:p>
+        </p:txBody>
+      </p:sp>
+      <p:sp>
+        <p:nvSpPr>
+          <p:cNvPr id="6" name="Footer Placeholder 5"/>
+          <p:cNvSpPr>
+            <a:spLocks noGrp="1"/>
+          </p:cNvSpPr>
+          <p:nvPr>
+            <p:ph type="ftr" sz="quarter" idx="12"/>
+          </p:nvPr>
+        </p:nvSpPr>
+        <p:spPr/>
+        <p:txBody>
+          <a:bodyPr/>
+          <a:lstStyle/>
+          <a:p>
+            <a:pPr>
+              <a:defRPr/>
+            </a:pPr>
+            <a:r>
+              <a:rPr lang="en-US"/>
+              <a:t>Chapter 1 — Computer Abstractions and Technology</a:t>
+            </a:r>
+          </a:p>
+        </p:txBody>
+      </p:sp>
+      <p:sp>
+        <p:nvSpPr>
+          <p:cNvPr id="7" name="Slide Number Placeholder 6"/>
+          <p:cNvSpPr>
+            <a:spLocks noGrp="1"/>
+          </p:cNvSpPr>
+          <p:nvPr>
+            <p:ph type="sldNum" sz="quarter" idx="13"/>
+          </p:nvPr>
+        </p:nvSpPr>
+        <p:spPr/>
+        <p:txBody>
+          <a:bodyPr/>
+          <a:lstStyle/>
+          <a:p>
+            <a:pPr>
+              <a:defRPr/>
+            </a:pPr>
+            <a:fld id="{F08FD2BB-A72E-D242-B9C0-C256E65997B2}" type="slidenum">
+              <a:rPr lang="en-US" altLang="en-US" smtClean="0"/>
+              <a:pPr>
+                <a:defRPr/>
+              </a:pPr>
               <a:t>23</a:t>
             </a:fld>
-            <a:endParaRPr lang="en-AU" altLang="en-US" sz="1300">
-              <a:latin typeface="Times New Roman" charset="0"/>
-            </a:endParaRPr>
-          </a:p>
-        </p:txBody>
-      </p:sp>
-      <p:sp>
-        <p:nvSpPr>
-          <p:cNvPr id="25606" name="Rectangle 2"/>
-          <p:cNvSpPr>
-            <a:spLocks noGrp="1" noRot="1" noChangeAspect="1" noChangeArrowheads="1" noTextEdit="1"/>
-          </p:cNvSpPr>
-          <p:nvPr>
-            <p:ph type="sldImg"/>
-          </p:nvPr>
-        </p:nvSpPr>
-        <p:spPr>
-          <a:ln/>
-        </p:spPr>
-      </p:sp>
-      <p:sp>
-        <p:nvSpPr>
-          <p:cNvPr id="25607" name="Rectangle 3"/>
-          <p:cNvSpPr>
-            <a:spLocks noGrp="1" noChangeArrowheads="1"/>
-          </p:cNvSpPr>
-          <p:nvPr>
-            <p:ph type="body" idx="1"/>
-          </p:nvPr>
-        </p:nvSpPr>
-        <p:spPr>
-          <a:noFill/>
-          <a:ln/>
-          <a:extLst>
-            <a:ext uri="{909E8E84-426E-40DD-AFC4-6F175D3DCCD1}">
-              <a14:hiddenFill xmlns:a14="http://schemas.microsoft.com/office/drawing/2010/main">
-                <a:solidFill>
-                  <a:srgbClr val="FFFFFF"/>
-                </a:solidFill>
-              </a14:hiddenFill>
-            </a:ext>
-            <a:ext uri="{91240B29-F687-4F45-9708-019B960494DF}">
-              <a14:hiddenLine xmlns:a14="http://schemas.microsoft.com/office/drawing/2010/main" w="9525">
-                <a:solidFill>
-                  <a:srgbClr val="000000"/>
-                </a:solidFill>
-                <a:miter lim="800000"/>
-                <a:headEnd/>
-                <a:tailEnd/>
-              </a14:hiddenLine>
-            </a:ext>
-            <a:ext uri="{FAA26D3D-D897-4be2-8F04-BA451C77F1D7}">
-              <ma14:placeholderFlag xmlns="" xmlns:ma14="http://schemas.microsoft.com/office/mac/drawingml/2011/main" val="1"/>
-            </a:ext>
-          </a:extLst>
-        </p:spPr>
-        <p:txBody>
-          <a:bodyPr/>
-          <a:lstStyle/>
-          <a:p>
-            <a:pPr marL="0" marR="0" indent="0" algn="l" defTabSz="914400" rtl="0" eaLnBrk="0" fontAlgn="base" latinLnBrk="0" hangingPunct="0">
-              <a:lnSpc>
-                <a:spcPct val="100000"/>
-              </a:lnSpc>
-              <a:spcBef>
-                <a:spcPct val="30000"/>
-              </a:spcBef>
-              <a:spcAft>
-                <a:spcPct val="0"/>
-              </a:spcAft>
-              <a:buClrTx/>
-              <a:buSzTx/>
-              <a:buFontTx/>
-              <a:buNone/>
-              <a:tabLst/>
-              <a:defRPr/>
-            </a:pPr>
-            <a:r>
-              <a:rPr lang="en-US" dirty="0"/>
-              <a:t>So let’s add two numbers</a:t>
-            </a:r>
-            <a:r>
-              <a:rPr lang="mr-IN" dirty="0"/>
-              <a:t>…</a:t>
-            </a:r>
-            <a:r>
-              <a:rPr lang="en-US" dirty="0"/>
-              <a:t>exercise</a:t>
-            </a:r>
-            <a:r>
-              <a:rPr lang="en-US" baseline="0" dirty="0">
-                <a:latin typeface="Times New Roman" charset="0"/>
-              </a:rPr>
-              <a:t> with at least one negative number.</a:t>
-            </a:r>
-            <a:endParaRPr lang="en-US" dirty="0"/>
+            <a:endParaRPr lang="en-US" altLang="en-US"/>
           </a:p>
         </p:txBody>
       </p:sp>
     </p:spTree>
     <p:extLst>
       <p:ext uri="{BB962C8B-B14F-4D97-AF65-F5344CB8AC3E}">
-        <p14:creationId xmlns:p14="http://schemas.microsoft.com/office/powerpoint/2010/main" val="798696267"/>
+        <p14:creationId xmlns:p14="http://schemas.microsoft.com/office/powerpoint/2010/main" val="4018984721"/>
       </p:ext>
     </p:extLst>
   </p:cSld>
@@ -4033,20 +4041,17 @@
           <a:p>
             <a:r>
               <a:rPr lang="en-US" dirty="0"/>
-              <a:t>Rather than implementing</a:t>
+              <a:t>With an 8-bit</a:t>
             </a:r>
             <a:r>
               <a:rPr lang="en-US" baseline="0" dirty="0"/>
-              <a:t> both add and subtract, we can save some transistors and just implement add.</a:t>
-            </a:r>
-          </a:p>
-          <a:p>
-            <a:endParaRPr lang="en-US" baseline="0" dirty="0"/>
+              <a:t> word, let’s try to add 125 and 4.</a:t>
+            </a:r>
           </a:p>
           <a:p>
             <a:r>
               <a:rPr lang="en-US" baseline="0" dirty="0"/>
-              <a:t>This also exhibits how we don't need to treat negative numbers any differently when using 2's complement!</a:t>
+              <a:t>Common bug of averaging two numbers.</a:t>
             </a:r>
             <a:endParaRPr lang="en-US" dirty="0"/>
           </a:p>
@@ -4100,7 +4105,7 @@
               <a:pPr>
                 <a:defRPr/>
               </a:pPr>
-              <a:t>August 31, 2018</a:t>
+              <a:t>September 30, 2018</a:t>
             </a:fld>
             <a:endParaRPr lang="en-US"/>
           </a:p>
@@ -4163,7 +4168,7 @@
     </p:spTree>
     <p:extLst>
       <p:ext uri="{BB962C8B-B14F-4D97-AF65-F5344CB8AC3E}">
-        <p14:creationId xmlns:p14="http://schemas.microsoft.com/office/powerpoint/2010/main" val="4018984721"/>
+        <p14:creationId xmlns:p14="http://schemas.microsoft.com/office/powerpoint/2010/main" val="2950364920"/>
       </p:ext>
     </p:extLst>
   </p:cSld>
@@ -4217,20 +4222,6 @@
           <a:bodyPr/>
           <a:lstStyle/>
           <a:p>
-            <a:r>
-              <a:rPr lang="en-US" dirty="0"/>
-              <a:t>With an 8-bit</a:t>
-            </a:r>
-            <a:r>
-              <a:rPr lang="en-US" baseline="0" dirty="0"/>
-              <a:t> word, let’s try to add 125 and 4.</a:t>
-            </a:r>
-          </a:p>
-          <a:p>
-            <a:r>
-              <a:rPr lang="en-US" baseline="0" dirty="0"/>
-              <a:t>Common bug of averaging two numbers.</a:t>
-            </a:r>
             <a:endParaRPr lang="en-US" dirty="0"/>
           </a:p>
         </p:txBody>
@@ -4242,7 +4233,7 @@
             <a:spLocks noGrp="1"/>
           </p:cNvSpPr>
           <p:nvPr>
-            <p:ph type="hdr" sz="quarter" idx="10"/>
+            <p:ph type="hdr" sz="quarter"/>
           </p:nvPr>
         </p:nvSpPr>
         <p:spPr/>
@@ -4267,7 +4258,7 @@
             <a:spLocks noGrp="1"/>
           </p:cNvSpPr>
           <p:nvPr>
-            <p:ph type="dt" idx="11"/>
+            <p:ph type="dt" idx="1"/>
           </p:nvPr>
         </p:nvSpPr>
         <p:spPr/>
@@ -4283,7 +4274,7 @@
               <a:pPr>
                 <a:defRPr/>
               </a:pPr>
-              <a:t>August 31, 2018</a:t>
+              <a:t>September 30, 2018</a:t>
             </a:fld>
             <a:endParaRPr lang="en-US"/>
           </a:p>
@@ -4296,7 +4287,7 @@
             <a:spLocks noGrp="1"/>
           </p:cNvSpPr>
           <p:nvPr>
-            <p:ph type="ftr" sz="quarter" idx="12"/>
+            <p:ph type="ftr" sz="quarter" idx="4"/>
           </p:nvPr>
         </p:nvSpPr>
         <p:spPr/>
@@ -4321,7 +4312,7 @@
             <a:spLocks noGrp="1"/>
           </p:cNvSpPr>
           <p:nvPr>
-            <p:ph type="sldNum" sz="quarter" idx="13"/>
+            <p:ph type="sldNum" sz="quarter" idx="5"/>
           </p:nvPr>
         </p:nvSpPr>
         <p:spPr/>
@@ -4338,175 +4329,6 @@
                 <a:defRPr/>
               </a:pPr>
               <a:t>25</a:t>
-            </a:fld>
-            <a:endParaRPr lang="en-US" altLang="en-US"/>
-          </a:p>
-        </p:txBody>
-      </p:sp>
-    </p:spTree>
-    <p:extLst>
-      <p:ext uri="{BB962C8B-B14F-4D97-AF65-F5344CB8AC3E}">
-        <p14:creationId xmlns:p14="http://schemas.microsoft.com/office/powerpoint/2010/main" val="2950364920"/>
-      </p:ext>
-    </p:extLst>
-  </p:cSld>
-  <p:clrMapOvr>
-    <a:masterClrMapping/>
-  </p:clrMapOvr>
-</p:notes>
-</file>
-
-<file path=ppt/notesSlides/notesSlide24.xml><?xml version="1.0" encoding="utf-8"?>
-<p:notes xmlns:a="http://schemas.openxmlformats.org/drawingml/2006/main" xmlns:r="http://schemas.openxmlformats.org/officeDocument/2006/relationships" xmlns:p="http://schemas.openxmlformats.org/presentationml/2006/main">
-  <p:cSld>
-    <p:spTree>
-      <p:nvGrpSpPr>
-        <p:cNvPr id="1" name=""/>
-        <p:cNvGrpSpPr/>
-        <p:nvPr/>
-      </p:nvGrpSpPr>
-      <p:grpSpPr>
-        <a:xfrm>
-          <a:off x="0" y="0"/>
-          <a:ext cx="0" cy="0"/>
-          <a:chOff x="0" y="0"/>
-          <a:chExt cx="0" cy="0"/>
-        </a:xfrm>
-      </p:grpSpPr>
-      <p:sp>
-        <p:nvSpPr>
-          <p:cNvPr id="2" name="Slide Image Placeholder 1"/>
-          <p:cNvSpPr>
-            <a:spLocks noGrp="1" noRot="1" noChangeAspect="1"/>
-          </p:cNvSpPr>
-          <p:nvPr>
-            <p:ph type="sldImg"/>
-          </p:nvPr>
-        </p:nvSpPr>
-        <p:spPr/>
-      </p:sp>
-      <p:sp>
-        <p:nvSpPr>
-          <p:cNvPr id="3" name="Notes Placeholder 2"/>
-          <p:cNvSpPr>
-            <a:spLocks noGrp="1"/>
-          </p:cNvSpPr>
-          <p:nvPr>
-            <p:ph type="body" idx="1"/>
-          </p:nvPr>
-        </p:nvSpPr>
-        <p:spPr/>
-        <p:txBody>
-          <a:bodyPr/>
-          <a:lstStyle/>
-          <a:p>
-            <a:endParaRPr lang="en-US" dirty="0"/>
-          </a:p>
-        </p:txBody>
-      </p:sp>
-      <p:sp>
-        <p:nvSpPr>
-          <p:cNvPr id="4" name="Header Placeholder 3"/>
-          <p:cNvSpPr>
-            <a:spLocks noGrp="1"/>
-          </p:cNvSpPr>
-          <p:nvPr>
-            <p:ph type="hdr" sz="quarter"/>
-          </p:nvPr>
-        </p:nvSpPr>
-        <p:spPr/>
-        <p:txBody>
-          <a:bodyPr/>
-          <a:lstStyle/>
-          <a:p>
-            <a:pPr>
-              <a:defRPr/>
-            </a:pPr>
-            <a:r>
-              <a:rPr lang="en-US"/>
-              <a:t>Morgan Kaufmann Publishers</a:t>
-            </a:r>
-          </a:p>
-        </p:txBody>
-      </p:sp>
-      <p:sp>
-        <p:nvSpPr>
-          <p:cNvPr id="5" name="Date Placeholder 4"/>
-          <p:cNvSpPr>
-            <a:spLocks noGrp="1"/>
-          </p:cNvSpPr>
-          <p:nvPr>
-            <p:ph type="dt" idx="1"/>
-          </p:nvPr>
-        </p:nvSpPr>
-        <p:spPr/>
-        <p:txBody>
-          <a:bodyPr/>
-          <a:lstStyle/>
-          <a:p>
-            <a:pPr>
-              <a:defRPr/>
-            </a:pPr>
-            <a:fld id="{97CC6111-B6E0-AF42-811D-9B96DE72BDAA}" type="datetime4">
-              <a:rPr lang="en-US" smtClean="0"/>
-              <a:pPr>
-                <a:defRPr/>
-              </a:pPr>
-              <a:t>August 31, 2018</a:t>
-            </a:fld>
-            <a:endParaRPr lang="en-US"/>
-          </a:p>
-        </p:txBody>
-      </p:sp>
-      <p:sp>
-        <p:nvSpPr>
-          <p:cNvPr id="6" name="Footer Placeholder 5"/>
-          <p:cNvSpPr>
-            <a:spLocks noGrp="1"/>
-          </p:cNvSpPr>
-          <p:nvPr>
-            <p:ph type="ftr" sz="quarter" idx="4"/>
-          </p:nvPr>
-        </p:nvSpPr>
-        <p:spPr/>
-        <p:txBody>
-          <a:bodyPr/>
-          <a:lstStyle/>
-          <a:p>
-            <a:pPr>
-              <a:defRPr/>
-            </a:pPr>
-            <a:r>
-              <a:rPr lang="en-US"/>
-              <a:t>Chapter 1 — Computer Abstractions and Technology</a:t>
-            </a:r>
-          </a:p>
-        </p:txBody>
-      </p:sp>
-      <p:sp>
-        <p:nvSpPr>
-          <p:cNvPr id="7" name="Slide Number Placeholder 6"/>
-          <p:cNvSpPr>
-            <a:spLocks noGrp="1"/>
-          </p:cNvSpPr>
-          <p:nvPr>
-            <p:ph type="sldNum" sz="quarter" idx="5"/>
-          </p:nvPr>
-        </p:nvSpPr>
-        <p:spPr/>
-        <p:txBody>
-          <a:bodyPr/>
-          <a:lstStyle/>
-          <a:p>
-            <a:pPr>
-              <a:defRPr/>
-            </a:pPr>
-            <a:fld id="{F08FD2BB-A72E-D242-B9C0-C256E65997B2}" type="slidenum">
-              <a:rPr lang="en-US" altLang="en-US" smtClean="0"/>
-              <a:pPr>
-                <a:defRPr/>
-              </a:pPr>
-              <a:t>26</a:t>
             </a:fld>
             <a:endParaRPr lang="en-US" altLang="en-US"/>
           </a:p>
@@ -4636,7 +4458,7 @@
               <a:pPr>
                 <a:defRPr/>
               </a:pPr>
-              <a:t>August 31, 2018</a:t>
+              <a:t>September 30, 2018</a:t>
             </a:fld>
             <a:endParaRPr lang="en-US"/>
           </a:p>
@@ -4813,7 +4635,7 @@
               <a:pPr>
                 <a:defRPr/>
               </a:pPr>
-              <a:t>August 31, 2018</a:t>
+              <a:t>September 30, 2018</a:t>
             </a:fld>
             <a:endParaRPr lang="en-US"/>
           </a:p>
@@ -5006,7 +4828,7 @@
               <a:pPr>
                 <a:defRPr/>
               </a:pPr>
-              <a:t>August 31, 2018</a:t>
+              <a:t>September 30, 2018</a:t>
             </a:fld>
             <a:endParaRPr lang="en-US"/>
           </a:p>
@@ -5178,7 +5000,7 @@
               <a:pPr>
                 <a:defRPr/>
               </a:pPr>
-              <a:t>August 31, 2018</a:t>
+              <a:t>September 30, 2018</a:t>
             </a:fld>
             <a:endParaRPr lang="en-US"/>
           </a:p>
@@ -5356,7 +5178,7 @@
               <a:pPr>
                 <a:defRPr/>
               </a:pPr>
-              <a:t>August 31, 2018</a:t>
+              <a:t>September 30, 2018</a:t>
             </a:fld>
             <a:endParaRPr lang="en-US"/>
           </a:p>
@@ -5528,7 +5350,7 @@
               <a:pPr>
                 <a:defRPr/>
               </a:pPr>
-              <a:t>August 31, 2018</a:t>
+              <a:t>September 30, 2018</a:t>
             </a:fld>
             <a:endParaRPr lang="en-US"/>
           </a:p>
@@ -5714,7 +5536,7 @@
               <a:pPr>
                 <a:defRPr/>
               </a:pPr>
-              <a:t>August 31, 2018</a:t>
+              <a:t>September 30, 2018</a:t>
             </a:fld>
             <a:endParaRPr lang="en-US"/>
           </a:p>
@@ -10139,7 +9961,7 @@
               </a14:hiddenLine>
             </a:ext>
             <a:ext uri="{FAA26D3D-D897-4be2-8F04-BA451C77F1D7}">
-              <ma14:placeholderFlag xmlns="" xmlns:ma14="http://schemas.microsoft.com/office/mac/drawingml/2011/main" val="1"/>
+              <ma14:placeholderFlag xmlns:ma14="http://schemas.microsoft.com/office/mac/drawingml/2011/main" xmlns="" val="1"/>
             </a:ext>
           </a:extLst>
         </p:spPr>
@@ -10201,7 +10023,7 @@
               </a14:hiddenLine>
             </a:ext>
             <a:ext uri="{FAA26D3D-D897-4be2-8F04-BA451C77F1D7}">
-              <ma14:placeholderFlag xmlns="" xmlns:ma14="http://schemas.microsoft.com/office/mac/drawingml/2011/main" val="1"/>
+              <ma14:placeholderFlag xmlns:ma14="http://schemas.microsoft.com/office/mac/drawingml/2011/main" xmlns="" val="1"/>
             </a:ext>
           </a:extLst>
         </p:spPr>
@@ -12380,7 +12202,7 @@
       </p:grpSpPr>
       <p:sp>
         <p:nvSpPr>
-          <p:cNvPr id="6146" name="Title 1"/>
+          <p:cNvPr id="7170" name="Title 1"/>
           <p:cNvSpPr>
             <a:spLocks noGrp="1"/>
           </p:cNvSpPr>
@@ -12390,8 +12212,8 @@
         </p:nvSpPr>
         <p:spPr>
           <a:xfrm>
-            <a:off x="468313" y="468313"/>
-            <a:ext cx="8675687" cy="584200"/>
+            <a:off x="684213" y="261938"/>
+            <a:ext cx="8259762" cy="646112"/>
           </a:xfrm>
         </p:spPr>
         <p:txBody>
@@ -12399,15 +12221,15 @@
           <a:lstStyle/>
           <a:p>
             <a:r>
-              <a:rPr lang="en-US" altLang="en-US" sz="3200"/>
-              <a:t>Endianness</a:t>
-            </a:r>
-          </a:p>
-        </p:txBody>
-      </p:sp>
-      <p:sp>
-        <p:nvSpPr>
-          <p:cNvPr id="6147" name="Content Placeholder 2"/>
+              <a:rPr lang="en-US" altLang="en-US" sz="3600"/>
+              <a:t>Binary Representation of Integers</a:t>
+            </a:r>
+          </a:p>
+        </p:txBody>
+      </p:sp>
+      <p:sp>
+        <p:nvSpPr>
+          <p:cNvPr id="7171" name="Content Placeholder 2"/>
           <p:cNvSpPr>
             <a:spLocks noGrp="1"/>
           </p:cNvSpPr>
@@ -12422,151 +12244,66 @@
           <a:p>
             <a:r>
               <a:rPr lang="en-US" altLang="en-US"/>
-              <a:t>Big Endian</a:t>
+              <a:t>Unsigned Integers</a:t>
             </a:r>
           </a:p>
           <a:p>
             <a:pPr lvl="1"/>
             <a:r>
               <a:rPr lang="en-US" altLang="en-US"/>
-              <a:t>The Most Significant Bit is first</a:t>
+              <a:t>0 and positive integers only</a:t>
+            </a:r>
+          </a:p>
+          <a:p>
+            <a:r>
+              <a:rPr lang="en-US" altLang="en-US"/>
+              <a:t>Signed Integers</a:t>
             </a:r>
           </a:p>
           <a:p>
             <a:pPr lvl="1"/>
+            <a:r>
+              <a:rPr lang="en-US" altLang="en-US"/>
+              <a:t>0, negative, and positive integers</a:t>
+            </a:r>
+          </a:p>
+          <a:p>
+            <a:pPr lvl="1"/>
+            <a:r>
+              <a:rPr lang="en-US" altLang="en-US"/>
+              <a:t>Three ways</a:t>
+            </a:r>
+          </a:p>
+          <a:p>
+            <a:pPr lvl="2"/>
+            <a:r>
+              <a:rPr lang="en-US" altLang="en-US"/>
+              <a:t>Sign-Magnitude</a:t>
+            </a:r>
+          </a:p>
+          <a:p>
+            <a:pPr lvl="2"/>
+            <a:r>
+              <a:rPr lang="en-US" altLang="en-US"/>
+              <a:t>1’s Complement</a:t>
+            </a:r>
+          </a:p>
+          <a:p>
+            <a:pPr lvl="2"/>
+            <a:r>
+              <a:rPr lang="en-US" altLang="en-US"/>
+              <a:t>2’s Complement</a:t>
+            </a:r>
+          </a:p>
+          <a:p>
             <a:endParaRPr lang="en-US" altLang="en-US"/>
           </a:p>
-          <a:p>
-            <a:pPr lvl="1"/>
-            <a:endParaRPr lang="en-US" altLang="en-US"/>
-          </a:p>
-          <a:p>
-            <a:r>
-              <a:rPr lang="en-US" altLang="en-US"/>
-              <a:t>Little Endian</a:t>
-            </a:r>
-          </a:p>
-          <a:p>
-            <a:pPr lvl="1"/>
-            <a:r>
-              <a:rPr lang="en-US" altLang="en-US"/>
-              <a:t>The Least Significant Bit is first</a:t>
-            </a:r>
-          </a:p>
-        </p:txBody>
-      </p:sp>
-      <p:pic>
-        <p:nvPicPr>
-          <p:cNvPr id="6148" name="Picture 7"/>
-          <p:cNvPicPr>
-            <a:picLocks noChangeAspect="1" noChangeArrowheads="1"/>
-          </p:cNvPicPr>
-          <p:nvPr/>
-        </p:nvPicPr>
-        <p:blipFill>
-          <a:blip r:embed="rId3">
-            <a:extLst>
-              <a:ext uri="{28A0092B-C50C-407E-A947-70E740481C1C}">
-                <a14:useLocalDpi xmlns:a14="http://schemas.microsoft.com/office/drawing/2010/main" val="0"/>
-              </a:ext>
-            </a:extLst>
-          </a:blip>
-          <a:srcRect/>
-          <a:stretch>
-            <a:fillRect/>
-          </a:stretch>
-        </p:blipFill>
-        <p:spPr bwMode="auto">
-          <a:xfrm>
-            <a:off x="1979613" y="4508500"/>
-            <a:ext cx="4286250" cy="942975"/>
-          </a:xfrm>
-          <a:prstGeom prst="rect">
-            <a:avLst/>
-          </a:prstGeom>
-          <a:noFill/>
-          <a:ln>
-            <a:noFill/>
-          </a:ln>
-          <a:extLst>
-            <a:ext uri="{909E8E84-426E-40DD-AFC4-6F175D3DCCD1}">
-              <a14:hiddenFill xmlns:a14="http://schemas.microsoft.com/office/drawing/2010/main">
-                <a:solidFill>
-                  <a:srgbClr val="FFFFFF"/>
-                </a:solidFill>
-              </a14:hiddenFill>
-            </a:ext>
-            <a:ext uri="{91240B29-F687-4F45-9708-019B960494DF}">
-              <a14:hiddenLine xmlns:a14="http://schemas.microsoft.com/office/drawing/2010/main" w="9525">
-                <a:solidFill>
-                  <a:srgbClr val="000000"/>
-                </a:solidFill>
-                <a:miter lim="800000"/>
-                <a:headEnd/>
-                <a:tailEnd/>
-              </a14:hiddenLine>
-            </a:ext>
-          </a:extLst>
-        </p:spPr>
-      </p:pic>
-      <p:pic>
-        <p:nvPicPr>
-          <p:cNvPr id="6149" name="Picture 8"/>
-          <p:cNvPicPr>
-            <a:picLocks noChangeAspect="1" noChangeArrowheads="1"/>
-          </p:cNvPicPr>
-          <p:nvPr/>
-        </p:nvPicPr>
-        <p:blipFill>
-          <a:blip r:embed="rId4">
-            <a:extLst>
-              <a:ext uri="{28A0092B-C50C-407E-A947-70E740481C1C}">
-                <a14:useLocalDpi xmlns:a14="http://schemas.microsoft.com/office/drawing/2010/main" val="0"/>
-              </a:ext>
-            </a:extLst>
-          </a:blip>
-          <a:srcRect/>
-          <a:stretch>
-            <a:fillRect/>
-          </a:stretch>
-        </p:blipFill>
-        <p:spPr bwMode="auto">
-          <a:xfrm>
-            <a:off x="1908175" y="2420938"/>
-            <a:ext cx="4314825" cy="819150"/>
-          </a:xfrm>
-          <a:prstGeom prst="rect">
-            <a:avLst/>
-          </a:prstGeom>
-          <a:noFill/>
-          <a:ln>
-            <a:noFill/>
-          </a:ln>
-          <a:extLst>
-            <a:ext uri="{909E8E84-426E-40DD-AFC4-6F175D3DCCD1}">
-              <a14:hiddenFill xmlns:a14="http://schemas.microsoft.com/office/drawing/2010/main">
-                <a:solidFill>
-                  <a:srgbClr val="FFFFFF"/>
-                </a:solidFill>
-              </a14:hiddenFill>
-            </a:ext>
-            <a:ext uri="{91240B29-F687-4F45-9708-019B960494DF}">
-              <a14:hiddenLine xmlns:a14="http://schemas.microsoft.com/office/drawing/2010/main" w="9525">
-                <a:solidFill>
-                  <a:srgbClr val="000000"/>
-                </a:solidFill>
-                <a:miter lim="800000"/>
-                <a:headEnd/>
-                <a:tailEnd/>
-              </a14:hiddenLine>
-            </a:ext>
-          </a:extLst>
-        </p:spPr>
-      </p:pic>
+        </p:txBody>
+      </p:sp>
     </p:spTree>
     <p:extLst>
       <p:ext uri="{BB962C8B-B14F-4D97-AF65-F5344CB8AC3E}">
-        <p14:creationId xmlns:p14="http://schemas.microsoft.com/office/powerpoint/2010/main" val="1148627410"/>
+        <p14:creationId xmlns:p14="http://schemas.microsoft.com/office/powerpoint/2010/main" val="4249043920"/>
       </p:ext>
     </p:extLst>
   </p:cSld>
@@ -12595,7 +12332,7 @@
       </p:grpSpPr>
       <p:sp>
         <p:nvSpPr>
-          <p:cNvPr id="7170" name="Title 1"/>
+          <p:cNvPr id="8194" name="Title 1"/>
           <p:cNvSpPr>
             <a:spLocks noGrp="1"/>
           </p:cNvSpPr>
@@ -12615,14 +12352,14 @@
           <a:p>
             <a:r>
               <a:rPr lang="en-US" altLang="en-US" sz="3600"/>
-              <a:t>Binary Representation of Integers</a:t>
-            </a:r>
-          </a:p>
-        </p:txBody>
-      </p:sp>
-      <p:sp>
-        <p:nvSpPr>
-          <p:cNvPr id="7171" name="Content Placeholder 2"/>
+              <a:t>Unsigned Integers</a:t>
+            </a:r>
+          </a:p>
+        </p:txBody>
+      </p:sp>
+      <p:sp>
+        <p:nvSpPr>
+          <p:cNvPr id="8195" name="Content Placeholder 2"/>
           <p:cNvSpPr>
             <a:spLocks noGrp="1"/>
           </p:cNvSpPr>
@@ -12630,7 +12367,12 @@
             <p:ph idx="1"/>
           </p:nvPr>
         </p:nvSpPr>
-        <p:spPr/>
+        <p:spPr>
+          <a:xfrm>
+            <a:off x="476250" y="1125538"/>
+            <a:ext cx="8632825" cy="5111750"/>
+          </a:xfrm>
+        </p:spPr>
         <p:txBody>
           <a:bodyPr/>
           <a:lstStyle/>
@@ -12644,59 +12386,102 @@
             <a:pPr lvl="1"/>
             <a:r>
               <a:rPr lang="en-US" altLang="en-US"/>
-              <a:t>0 and positive integers only</a:t>
-            </a:r>
-          </a:p>
-          <a:p>
+              <a:t>Consider a word = 4 bytes</a:t>
+            </a:r>
+          </a:p>
+          <a:p>
+            <a:pPr lvl="1"/>
             <a:r>
               <a:rPr lang="en-US" altLang="en-US"/>
-              <a:t>Signed Integers</a:t>
-            </a:r>
-          </a:p>
-          <a:p>
-            <a:pPr lvl="1"/>
+              <a:t>Can represent numbers from 0 to 4294967295</a:t>
+            </a:r>
+          </a:p>
+          <a:p>
+            <a:pPr lvl="1">
+              <a:buFont typeface="Wingdings" charset="2"/>
+              <a:buNone/>
+            </a:pPr>
             <a:r>
               <a:rPr lang="en-US" altLang="en-US"/>
-              <a:t>0, negative, and positive integers</a:t>
-            </a:r>
-          </a:p>
-          <a:p>
-            <a:pPr lvl="1"/>
+              <a:t>Decimal: </a:t>
+            </a:r>
+          </a:p>
+          <a:p>
+            <a:pPr lvl="1">
+              <a:buFont typeface="Wingdings" charset="2"/>
+              <a:buNone/>
+            </a:pPr>
             <a:r>
               <a:rPr lang="en-US" altLang="en-US"/>
-              <a:t>Three ways</a:t>
-            </a:r>
-          </a:p>
-          <a:p>
-            <a:pPr lvl="2"/>
+              <a:t>	0 to 2</a:t>
+            </a:r>
+            <a:r>
+              <a:rPr lang="en-US" altLang="en-US" baseline="30000"/>
+              <a:t>32</a:t>
+            </a:r>
             <a:r>
               <a:rPr lang="en-US" altLang="en-US"/>
-              <a:t>Sign-Magnitude</a:t>
-            </a:r>
-          </a:p>
-          <a:p>
-            <a:pPr lvl="2"/>
+              <a:t>-1</a:t>
+            </a:r>
+          </a:p>
+          <a:p>
+            <a:pPr lvl="1">
+              <a:buFont typeface="Wingdings" charset="2"/>
+              <a:buNone/>
+            </a:pPr>
             <a:r>
               <a:rPr lang="en-US" altLang="en-US"/>
-              <a:t>1’s Complement</a:t>
-            </a:r>
-          </a:p>
-          <a:p>
-            <a:pPr lvl="2"/>
+              <a:t>Binary: </a:t>
+            </a:r>
+          </a:p>
+          <a:p>
+            <a:pPr lvl="1">
+              <a:buFont typeface="Wingdings" charset="2"/>
+              <a:buNone/>
+            </a:pPr>
             <a:r>
               <a:rPr lang="en-US" altLang="en-US"/>
-              <a:t>2’s Complement</a:t>
-            </a:r>
-          </a:p>
-          <a:p>
-            <a:endParaRPr lang="en-US" altLang="en-US"/>
+              <a:t>	0 to 11111111111111111111111111111111</a:t>
+            </a:r>
+            <a:r>
+              <a:rPr lang="en-US" altLang="en-US" baseline="-25000"/>
+              <a:t>2</a:t>
+            </a:r>
+          </a:p>
+          <a:p>
+            <a:r>
+              <a:rPr lang="en-US" altLang="en-US"/>
+              <a:t>Example</a:t>
+            </a:r>
+          </a:p>
+          <a:p>
+            <a:pPr>
+              <a:buFont typeface="Wingdings" charset="2"/>
+              <a:buNone/>
+            </a:pPr>
+            <a:r>
+              <a:rPr lang="en-US" altLang="en-US" sz="2800"/>
+              <a:t>6712</a:t>
+            </a:r>
+            <a:r>
+              <a:rPr lang="en-US" altLang="en-US" sz="2800" baseline="-25000"/>
+              <a:t>10</a:t>
+            </a:r>
+            <a:r>
+              <a:rPr lang="en-US" altLang="en-US" sz="2800"/>
+              <a:t> = 00000000 00000000 00011010 00111000</a:t>
+            </a:r>
+            <a:r>
+              <a:rPr lang="en-US" altLang="en-US" sz="2800" baseline="-25000"/>
+              <a:t>2</a:t>
+            </a:r>
           </a:p>
         </p:txBody>
       </p:sp>
     </p:spTree>
     <p:extLst>
       <p:ext uri="{BB962C8B-B14F-4D97-AF65-F5344CB8AC3E}">
-        <p14:creationId xmlns:p14="http://schemas.microsoft.com/office/powerpoint/2010/main" val="4249043920"/>
+        <p14:creationId xmlns:p14="http://schemas.microsoft.com/office/powerpoint/2010/main" val="214576427"/>
       </p:ext>
     </p:extLst>
   </p:cSld>
@@ -12725,7 +12510,7 @@
       </p:grpSpPr>
       <p:sp>
         <p:nvSpPr>
-          <p:cNvPr id="8194" name="Title 1"/>
+          <p:cNvPr id="9218" name="Title 1"/>
           <p:cNvSpPr>
             <a:spLocks noGrp="1"/>
           </p:cNvSpPr>
@@ -12735,8 +12520,8 @@
         </p:nvSpPr>
         <p:spPr>
           <a:xfrm>
-            <a:off x="684213" y="261938"/>
-            <a:ext cx="8259762" cy="646112"/>
+            <a:off x="684213" y="200025"/>
+            <a:ext cx="8259762" cy="708025"/>
           </a:xfrm>
         </p:spPr>
         <p:txBody>
@@ -12744,15 +12529,15 @@
           <a:lstStyle/>
           <a:p>
             <a:r>
-              <a:rPr lang="en-US" altLang="en-US" sz="3600"/>
-              <a:t>Unsigned Integers</a:t>
-            </a:r>
-          </a:p>
-        </p:txBody>
-      </p:sp>
-      <p:sp>
-        <p:nvSpPr>
-          <p:cNvPr id="8195" name="Content Placeholder 2"/>
+              <a:rPr lang="en-US" altLang="en-US" sz="4000"/>
+              <a:t>Signed Integer – Sign Magnitude</a:t>
+            </a:r>
+          </a:p>
+        </p:txBody>
+      </p:sp>
+      <p:sp>
+        <p:nvSpPr>
+          <p:cNvPr id="9219" name="Content Placeholder 2"/>
           <p:cNvSpPr>
             <a:spLocks noGrp="1"/>
           </p:cNvSpPr>
@@ -12762,31 +12547,52 @@
         </p:nvSpPr>
         <p:spPr>
           <a:xfrm>
-            <a:off x="476250" y="1125538"/>
-            <a:ext cx="8632825" cy="5111750"/>
+            <a:off x="323850" y="1125538"/>
+            <a:ext cx="8631238" cy="5111750"/>
           </a:xfrm>
         </p:spPr>
         <p:txBody>
           <a:bodyPr/>
           <a:lstStyle/>
           <a:p>
-            <a:r>
-              <a:rPr lang="en-US" altLang="en-US"/>
-              <a:t>Unsigned Integers</a:t>
+            <a:pPr marL="0" indent="0">
+              <a:buNone/>
+            </a:pPr>
+            <a:r>
+              <a:rPr lang="en-US" altLang="en-US" sz="2400" dirty="0"/>
+              <a:t>Sign Magnitude</a:t>
+            </a:r>
+          </a:p>
+          <a:p>
+            <a:r>
+              <a:rPr lang="en-US" altLang="en-US" sz="2400" dirty="0"/>
+              <a:t>Use the most significant bit of the word to represent the sign</a:t>
             </a:r>
           </a:p>
           <a:p>
             <a:pPr lvl="1"/>
             <a:r>
-              <a:rPr lang="en-US" altLang="en-US"/>
-              <a:t>Consider a word = 4 bytes</a:t>
+              <a:rPr lang="en-US" altLang="en-US" sz="2400" dirty="0"/>
+              <a:t>0 – Positive</a:t>
             </a:r>
           </a:p>
           <a:p>
             <a:pPr lvl="1"/>
             <a:r>
-              <a:rPr lang="en-US" altLang="en-US"/>
-              <a:t>Can represent numbers from 0 to 4294967295</a:t>
+              <a:rPr lang="en-US" altLang="en-US" sz="2400" dirty="0"/>
+              <a:t>1 – Negative</a:t>
+            </a:r>
+          </a:p>
+          <a:p>
+            <a:r>
+              <a:rPr lang="en-US" altLang="en-US" sz="2400" dirty="0"/>
+              <a:t>Rest of the number is encoded in magnitude part</a:t>
+            </a:r>
+          </a:p>
+          <a:p>
+            <a:r>
+              <a:rPr lang="en-US" altLang="en-US" sz="2400" dirty="0"/>
+              <a:t>Example</a:t>
             </a:r>
           </a:p>
           <a:p>
@@ -12795,8 +12601,20 @@
               <a:buNone/>
             </a:pPr>
             <a:r>
-              <a:rPr lang="en-US" altLang="en-US"/>
-              <a:t>Decimal: </a:t>
+              <a:rPr lang="en-US" altLang="en-US" sz="2000" dirty="0"/>
+              <a:t> 	 6712</a:t>
+            </a:r>
+            <a:r>
+              <a:rPr lang="en-US" altLang="en-US" sz="2000" baseline="-25000" dirty="0"/>
+              <a:t>10</a:t>
+            </a:r>
+            <a:r>
+              <a:rPr lang="en-US" altLang="en-US" sz="2000" dirty="0"/>
+              <a:t> = 00000000 00000000 00011010 00111000</a:t>
+            </a:r>
+            <a:r>
+              <a:rPr lang="en-US" altLang="en-US" sz="2000" baseline="-25000" dirty="0"/>
+              <a:t>2</a:t>
             </a:r>
           </a:p>
           <a:p>
@@ -12805,16 +12623,26 @@
               <a:buNone/>
             </a:pPr>
             <a:r>
-              <a:rPr lang="en-US" altLang="en-US"/>
-              <a:t>	0 to 2</a:t>
-            </a:r>
-            <a:r>
-              <a:rPr lang="en-US" altLang="en-US" baseline="30000"/>
-              <a:t>32</a:t>
-            </a:r>
-            <a:r>
-              <a:rPr lang="en-US" altLang="en-US"/>
-              <a:t>-1</a:t>
+              <a:rPr lang="en-US" altLang="en-US" sz="2000" dirty="0"/>
+              <a:t>	-6712</a:t>
+            </a:r>
+            <a:r>
+              <a:rPr lang="en-US" altLang="en-US" sz="2000" baseline="-25000" dirty="0"/>
+              <a:t>10</a:t>
+            </a:r>
+            <a:r>
+              <a:rPr lang="en-US" altLang="en-US" sz="2000" dirty="0"/>
+              <a:t> = 10000000 00000000 00011010 00111000</a:t>
+            </a:r>
+            <a:r>
+              <a:rPr lang="en-US" altLang="en-US" sz="2000" baseline="-25000" dirty="0"/>
+              <a:t>2</a:t>
+            </a:r>
+          </a:p>
+          <a:p>
+            <a:r>
+              <a:rPr lang="en-US" altLang="en-US" sz="2400" dirty="0"/>
+              <a:t>Two representations of 0</a:t>
             </a:r>
           </a:p>
           <a:p>
@@ -12823,8 +12651,8 @@
               <a:buNone/>
             </a:pPr>
             <a:r>
-              <a:rPr lang="en-US" altLang="en-US"/>
-              <a:t>Binary: </a:t>
+              <a:rPr lang="en-US" altLang="en-US" sz="2000" dirty="0"/>
+              <a:t> 	 0 = 00000000 00000000 00000000 00000000</a:t>
             </a:r>
           </a:p>
           <a:p>
@@ -12833,40 +12661,14 @@
               <a:buNone/>
             </a:pPr>
             <a:r>
-              <a:rPr lang="en-US" altLang="en-US"/>
-              <a:t>	0 to 11111111111111111111111111111111</a:t>
-            </a:r>
-            <a:r>
-              <a:rPr lang="en-US" altLang="en-US" baseline="-25000"/>
-              <a:t>2</a:t>
-            </a:r>
-          </a:p>
-          <a:p>
-            <a:r>
-              <a:rPr lang="en-US" altLang="en-US"/>
-              <a:t>Example</a:t>
-            </a:r>
-          </a:p>
-          <a:p>
-            <a:pPr>
-              <a:buFont typeface="Wingdings" charset="2"/>
-              <a:buNone/>
-            </a:pPr>
-            <a:r>
-              <a:rPr lang="en-US" altLang="en-US" sz="2800"/>
-              <a:t>6712</a:t>
-            </a:r>
-            <a:r>
-              <a:rPr lang="en-US" altLang="en-US" sz="2800" baseline="-25000"/>
-              <a:t>10</a:t>
-            </a:r>
-            <a:r>
-              <a:rPr lang="en-US" altLang="en-US" sz="2800"/>
-              <a:t> = 00000000 00000000 00011010 00111000</a:t>
-            </a:r>
-            <a:r>
-              <a:rPr lang="en-US" altLang="en-US" sz="2800" baseline="-25000"/>
-              <a:t>2</a:t>
+              <a:rPr lang="en-US" altLang="en-US" sz="2000" dirty="0"/>
+              <a:t>	-0 = 10000000 00000000 00000000 00000000</a:t>
+            </a:r>
+          </a:p>
+          <a:p>
+            <a:r>
+              <a:rPr lang="en-US" altLang="en-US" sz="2400" dirty="0"/>
+              <a:t>Cumbersome in Arithmetic</a:t>
             </a:r>
           </a:p>
         </p:txBody>
@@ -12874,7 +12676,7 @@
     </p:spTree>
     <p:extLst>
       <p:ext uri="{BB962C8B-B14F-4D97-AF65-F5344CB8AC3E}">
-        <p14:creationId xmlns:p14="http://schemas.microsoft.com/office/powerpoint/2010/main" val="214576427"/>
+        <p14:creationId xmlns:p14="http://schemas.microsoft.com/office/powerpoint/2010/main" val="4275065060"/>
       </p:ext>
     </p:extLst>
   </p:cSld>
@@ -13437,7 +13239,7 @@
       </p:grpSpPr>
       <p:sp>
         <p:nvSpPr>
-          <p:cNvPr id="9218" name="Title 1"/>
+          <p:cNvPr id="10242" name="Title 1"/>
           <p:cNvSpPr>
             <a:spLocks noGrp="1"/>
           </p:cNvSpPr>
@@ -13445,26 +13247,21 @@
             <p:ph type="title"/>
           </p:nvPr>
         </p:nvSpPr>
-        <p:spPr>
-          <a:xfrm>
-            <a:off x="684213" y="200025"/>
-            <a:ext cx="8259762" cy="708025"/>
-          </a:xfrm>
-        </p:spPr>
-        <p:txBody>
-          <a:bodyPr/>
-          <a:lstStyle/>
-          <a:p>
-            <a:r>
-              <a:rPr lang="en-US" altLang="en-US" sz="4000"/>
-              <a:t>Signed Integer – Sign Magnitude</a:t>
-            </a:r>
-          </a:p>
-        </p:txBody>
-      </p:sp>
-      <p:sp>
-        <p:nvSpPr>
-          <p:cNvPr id="9219" name="Content Placeholder 2"/>
+        <p:spPr/>
+        <p:txBody>
+          <a:bodyPr/>
+          <a:lstStyle/>
+          <a:p>
+            <a:r>
+              <a:rPr lang="en-US" altLang="en-US"/>
+              <a:t>1’s Complement</a:t>
+            </a:r>
+          </a:p>
+        </p:txBody>
+      </p:sp>
+      <p:sp>
+        <p:nvSpPr>
+          <p:cNvPr id="10243" name="Content Placeholder 2"/>
           <p:cNvSpPr>
             <a:spLocks noGrp="1"/>
           </p:cNvSpPr>
@@ -13472,53 +13269,48 @@
             <p:ph idx="1"/>
           </p:nvPr>
         </p:nvSpPr>
-        <p:spPr>
-          <a:xfrm>
-            <a:off x="323850" y="1125538"/>
-            <a:ext cx="8631238" cy="5111750"/>
-          </a:xfrm>
-        </p:spPr>
-        <p:txBody>
-          <a:bodyPr/>
-          <a:lstStyle/>
-          <a:p>
-            <a:pPr marL="0" indent="0">
-              <a:buNone/>
-            </a:pPr>
-            <a:r>
-              <a:rPr lang="en-US" altLang="en-US" sz="2400" dirty="0"/>
-              <a:t>Sign Magnitude</a:t>
-            </a:r>
-          </a:p>
-          <a:p>
-            <a:r>
-              <a:rPr lang="en-US" altLang="en-US" sz="2400" dirty="0"/>
+        <p:spPr/>
+        <p:txBody>
+          <a:bodyPr/>
+          <a:lstStyle/>
+          <a:p>
+            <a:r>
+              <a:rPr lang="en-US" altLang="en-US" sz="2800"/>
+              <a:t>1’s Complement</a:t>
+            </a:r>
+          </a:p>
+          <a:p>
+            <a:pPr lvl="1"/>
+            <a:r>
+              <a:rPr lang="en-US" altLang="en-US" sz="2400"/>
+              <a:t>Negative number is stored as bit-wise complement of corresponding positive number</a:t>
+            </a:r>
+          </a:p>
+          <a:p>
+            <a:pPr lvl="1"/>
+            <a:r>
+              <a:rPr lang="en-US" altLang="en-US" sz="2400"/>
               <a:t>Use the most significant bit of the word to represent the sign</a:t>
             </a:r>
           </a:p>
           <a:p>
+            <a:pPr lvl="2"/>
+            <a:r>
+              <a:rPr lang="en-US" altLang="en-US" sz="2000"/>
+              <a:t>0 – Positive</a:t>
+            </a:r>
+          </a:p>
+          <a:p>
+            <a:pPr lvl="2"/>
+            <a:r>
+              <a:rPr lang="en-US" altLang="en-US" sz="2000"/>
+              <a:t>1 – Negative</a:t>
+            </a:r>
+          </a:p>
+          <a:p>
             <a:pPr lvl="1"/>
             <a:r>
-              <a:rPr lang="en-US" altLang="en-US" sz="2400" dirty="0"/>
-              <a:t>0 – Positive</a:t>
-            </a:r>
-          </a:p>
-          <a:p>
-            <a:pPr lvl="1"/>
-            <a:r>
-              <a:rPr lang="en-US" altLang="en-US" sz="2400" dirty="0"/>
-              <a:t>1 – Negative</a:t>
-            </a:r>
-          </a:p>
-          <a:p>
-            <a:r>
-              <a:rPr lang="en-US" altLang="en-US" sz="2400" dirty="0"/>
-              <a:t>Rest of the number is encoded in magnitude part</a:t>
-            </a:r>
-          </a:p>
-          <a:p>
-            <a:r>
-              <a:rPr lang="en-US" altLang="en-US" sz="2400" dirty="0"/>
+              <a:rPr lang="en-US" altLang="en-US" sz="2400"/>
               <a:t>Example</a:t>
             </a:r>
           </a:p>
@@ -13528,19 +13320,23 @@
               <a:buNone/>
             </a:pPr>
             <a:r>
-              <a:rPr lang="en-US" altLang="en-US" sz="2000" dirty="0"/>
-              <a:t> 	 6712</a:t>
-            </a:r>
-            <a:r>
-              <a:rPr lang="en-US" altLang="en-US" sz="2000" baseline="-25000" dirty="0"/>
+              <a:rPr lang="en-US" altLang="en-US" sz="2400"/>
+              <a:t> 	 </a:t>
+            </a:r>
+            <a:r>
+              <a:rPr lang="en-US" altLang="en-US" sz="2000"/>
+              <a:t>6712</a:t>
+            </a:r>
+            <a:r>
+              <a:rPr lang="en-US" altLang="en-US" sz="2000" baseline="-25000"/>
               <a:t>10</a:t>
             </a:r>
             <a:r>
-              <a:rPr lang="en-US" altLang="en-US" sz="2000" dirty="0"/>
+              <a:rPr lang="en-US" altLang="en-US" sz="2000"/>
               <a:t> = 00000000 00000000 00011010 00111000</a:t>
             </a:r>
             <a:r>
-              <a:rPr lang="en-US" altLang="en-US" sz="2000" baseline="-25000" dirty="0"/>
+              <a:rPr lang="en-US" altLang="en-US" sz="2000" baseline="-25000"/>
               <a:t>2</a:t>
             </a:r>
           </a:p>
@@ -13550,26 +13346,28 @@
               <a:buNone/>
             </a:pPr>
             <a:r>
-              <a:rPr lang="en-US" altLang="en-US" sz="2000" dirty="0"/>
+              <a:rPr lang="en-US" altLang="en-US" sz="2000"/>
               <a:t>	-6712</a:t>
             </a:r>
             <a:r>
-              <a:rPr lang="en-US" altLang="en-US" sz="2000" baseline="-25000" dirty="0"/>
+              <a:rPr lang="en-US" altLang="en-US" sz="2000" baseline="-25000"/>
               <a:t>10</a:t>
             </a:r>
             <a:r>
-              <a:rPr lang="en-US" altLang="en-US" sz="2000" dirty="0"/>
-              <a:t> = 10000000 00000000 00011010 00111000</a:t>
-            </a:r>
-            <a:r>
-              <a:rPr lang="en-US" altLang="en-US" sz="2000" baseline="-25000" dirty="0"/>
+              <a:rPr lang="en-US" altLang="en-US" sz="2000"/>
+              <a:t> = 11111111 11111111 11100101 11000111</a:t>
+            </a:r>
+            <a:r>
+              <a:rPr lang="en-US" altLang="en-US" sz="2000" baseline="-25000"/>
               <a:t>2</a:t>
             </a:r>
-          </a:p>
-          <a:p>
-            <a:r>
-              <a:rPr lang="en-US" altLang="en-US" sz="2400" dirty="0"/>
-              <a:t>Two representations of 0</a:t>
+            <a:endParaRPr lang="en-US" altLang="en-US" sz="2000"/>
+          </a:p>
+          <a:p>
+            <a:pPr lvl="1"/>
+            <a:r>
+              <a:rPr lang="en-US" altLang="en-US" sz="2400"/>
+              <a:t>Still two representations of zero</a:t>
             </a:r>
           </a:p>
           <a:p>
@@ -13578,8 +13376,12 @@
               <a:buNone/>
             </a:pPr>
             <a:r>
-              <a:rPr lang="en-US" altLang="en-US" sz="2000" dirty="0"/>
-              <a:t> 	 0 = 00000000 00000000 00000000 00000000</a:t>
+              <a:rPr lang="en-US" altLang="en-US" sz="2400"/>
+              <a:t>	 </a:t>
+            </a:r>
+            <a:r>
+              <a:rPr lang="en-US" altLang="en-US" sz="2000"/>
+              <a:t>0 = 00000000 00000000 00000000 00000000</a:t>
             </a:r>
           </a:p>
           <a:p>
@@ -13588,22 +13390,17 @@
               <a:buNone/>
             </a:pPr>
             <a:r>
-              <a:rPr lang="en-US" altLang="en-US" sz="2000" dirty="0"/>
-              <a:t>	-0 = 10000000 00000000 00000000 00000000</a:t>
-            </a:r>
-          </a:p>
-          <a:p>
-            <a:r>
-              <a:rPr lang="en-US" altLang="en-US" sz="2400" dirty="0"/>
-              <a:t>Cumbersome in Arithmetic</a:t>
-            </a:r>
+              <a:rPr lang="en-US" altLang="en-US" sz="2000"/>
+              <a:t>	-0 = 11111111 11111111 11111111 11111111 </a:t>
+            </a:r>
+            <a:endParaRPr lang="en-US" altLang="en-US" sz="2400"/>
           </a:p>
         </p:txBody>
       </p:sp>
     </p:spTree>
     <p:extLst>
       <p:ext uri="{BB962C8B-B14F-4D97-AF65-F5344CB8AC3E}">
-        <p14:creationId xmlns:p14="http://schemas.microsoft.com/office/powerpoint/2010/main" val="4275065060"/>
+        <p14:creationId xmlns:p14="http://schemas.microsoft.com/office/powerpoint/2010/main" val="3558591044"/>
       </p:ext>
     </p:extLst>
   </p:cSld>
@@ -13632,196 +13429,6 @@
       </p:grpSpPr>
       <p:sp>
         <p:nvSpPr>
-          <p:cNvPr id="10242" name="Title 1"/>
-          <p:cNvSpPr>
-            <a:spLocks noGrp="1"/>
-          </p:cNvSpPr>
-          <p:nvPr>
-            <p:ph type="title"/>
-          </p:nvPr>
-        </p:nvSpPr>
-        <p:spPr/>
-        <p:txBody>
-          <a:bodyPr/>
-          <a:lstStyle/>
-          <a:p>
-            <a:r>
-              <a:rPr lang="en-US" altLang="en-US"/>
-              <a:t>1’s Complement</a:t>
-            </a:r>
-          </a:p>
-        </p:txBody>
-      </p:sp>
-      <p:sp>
-        <p:nvSpPr>
-          <p:cNvPr id="10243" name="Content Placeholder 2"/>
-          <p:cNvSpPr>
-            <a:spLocks noGrp="1"/>
-          </p:cNvSpPr>
-          <p:nvPr>
-            <p:ph idx="1"/>
-          </p:nvPr>
-        </p:nvSpPr>
-        <p:spPr/>
-        <p:txBody>
-          <a:bodyPr/>
-          <a:lstStyle/>
-          <a:p>
-            <a:r>
-              <a:rPr lang="en-US" altLang="en-US" sz="2800"/>
-              <a:t>1’s Complement</a:t>
-            </a:r>
-          </a:p>
-          <a:p>
-            <a:pPr lvl="1"/>
-            <a:r>
-              <a:rPr lang="en-US" altLang="en-US" sz="2400"/>
-              <a:t>Negative number is stored as bit-wise complement of corresponding positive number</a:t>
-            </a:r>
-          </a:p>
-          <a:p>
-            <a:pPr lvl="1"/>
-            <a:r>
-              <a:rPr lang="en-US" altLang="en-US" sz="2400"/>
-              <a:t>Use the most significant bit of the word to represent the sign</a:t>
-            </a:r>
-          </a:p>
-          <a:p>
-            <a:pPr lvl="2"/>
-            <a:r>
-              <a:rPr lang="en-US" altLang="en-US" sz="2000"/>
-              <a:t>0 – Positive</a:t>
-            </a:r>
-          </a:p>
-          <a:p>
-            <a:pPr lvl="2"/>
-            <a:r>
-              <a:rPr lang="en-US" altLang="en-US" sz="2000"/>
-              <a:t>1 – Negative</a:t>
-            </a:r>
-          </a:p>
-          <a:p>
-            <a:pPr lvl="1"/>
-            <a:r>
-              <a:rPr lang="en-US" altLang="en-US" sz="2400"/>
-              <a:t>Example</a:t>
-            </a:r>
-          </a:p>
-          <a:p>
-            <a:pPr lvl="1">
-              <a:buFont typeface="Wingdings" charset="2"/>
-              <a:buNone/>
-            </a:pPr>
-            <a:r>
-              <a:rPr lang="en-US" altLang="en-US" sz="2400"/>
-              <a:t> 	 </a:t>
-            </a:r>
-            <a:r>
-              <a:rPr lang="en-US" altLang="en-US" sz="2000"/>
-              <a:t>6712</a:t>
-            </a:r>
-            <a:r>
-              <a:rPr lang="en-US" altLang="en-US" sz="2000" baseline="-25000"/>
-              <a:t>10</a:t>
-            </a:r>
-            <a:r>
-              <a:rPr lang="en-US" altLang="en-US" sz="2000"/>
-              <a:t> = 00000000 00000000 00011010 00111000</a:t>
-            </a:r>
-            <a:r>
-              <a:rPr lang="en-US" altLang="en-US" sz="2000" baseline="-25000"/>
-              <a:t>2</a:t>
-            </a:r>
-          </a:p>
-          <a:p>
-            <a:pPr lvl="1">
-              <a:buFont typeface="Wingdings" charset="2"/>
-              <a:buNone/>
-            </a:pPr>
-            <a:r>
-              <a:rPr lang="en-US" altLang="en-US" sz="2000"/>
-              <a:t>	-6712</a:t>
-            </a:r>
-            <a:r>
-              <a:rPr lang="en-US" altLang="en-US" sz="2000" baseline="-25000"/>
-              <a:t>10</a:t>
-            </a:r>
-            <a:r>
-              <a:rPr lang="en-US" altLang="en-US" sz="2000"/>
-              <a:t> = 11111111 11111111 11100101 11000111</a:t>
-            </a:r>
-            <a:r>
-              <a:rPr lang="en-US" altLang="en-US" sz="2000" baseline="-25000"/>
-              <a:t>2</a:t>
-            </a:r>
-            <a:endParaRPr lang="en-US" altLang="en-US" sz="2000"/>
-          </a:p>
-          <a:p>
-            <a:pPr lvl="1"/>
-            <a:r>
-              <a:rPr lang="en-US" altLang="en-US" sz="2400"/>
-              <a:t>Still two representations of zero</a:t>
-            </a:r>
-          </a:p>
-          <a:p>
-            <a:pPr lvl="1">
-              <a:buFont typeface="Wingdings" charset="2"/>
-              <a:buNone/>
-            </a:pPr>
-            <a:r>
-              <a:rPr lang="en-US" altLang="en-US" sz="2400"/>
-              <a:t>	 </a:t>
-            </a:r>
-            <a:r>
-              <a:rPr lang="en-US" altLang="en-US" sz="2000"/>
-              <a:t>0 = 00000000 00000000 00000000 00000000</a:t>
-            </a:r>
-          </a:p>
-          <a:p>
-            <a:pPr lvl="1">
-              <a:buFont typeface="Wingdings" charset="2"/>
-              <a:buNone/>
-            </a:pPr>
-            <a:r>
-              <a:rPr lang="en-US" altLang="en-US" sz="2000"/>
-              <a:t>	-0 = 11111111 11111111 11111111 11111111 </a:t>
-            </a:r>
-            <a:endParaRPr lang="en-US" altLang="en-US" sz="2400"/>
-          </a:p>
-        </p:txBody>
-      </p:sp>
-    </p:spTree>
-    <p:extLst>
-      <p:ext uri="{BB962C8B-B14F-4D97-AF65-F5344CB8AC3E}">
-        <p14:creationId xmlns:p14="http://schemas.microsoft.com/office/powerpoint/2010/main" val="3558591044"/>
-      </p:ext>
-    </p:extLst>
-  </p:cSld>
-  <p:clrMapOvr>
-    <a:masterClrMapping/>
-  </p:clrMapOvr>
-</p:sld>
-</file>
-
-<file path=ppt/slides/slide22.xml><?xml version="1.0" encoding="utf-8"?>
-<p:sld xmlns:a="http://schemas.openxmlformats.org/drawingml/2006/main" xmlns:r="http://schemas.openxmlformats.org/officeDocument/2006/relationships" xmlns:p="http://schemas.openxmlformats.org/presentationml/2006/main">
-  <p:cSld>
-    <p:spTree>
-      <p:nvGrpSpPr>
-        <p:cNvPr id="1" name=""/>
-        <p:cNvGrpSpPr/>
-        <p:nvPr/>
-      </p:nvGrpSpPr>
-      <p:grpSpPr>
-        <a:xfrm>
-          <a:off x="0" y="0"/>
-          <a:ext cx="0" cy="0"/>
-          <a:chOff x="0" y="0"/>
-          <a:chExt cx="0" cy="0"/>
-        </a:xfrm>
-      </p:grpSpPr>
-      <p:sp>
-        <p:nvSpPr>
           <p:cNvPr id="11266" name="Title 1"/>
           <p:cNvSpPr>
             <a:spLocks noGrp="1"/>
@@ -13977,7 +13584,7 @@
 </p:sld>
 </file>
 
-<file path=ppt/slides/slide23.xml><?xml version="1.0" encoding="utf-8"?>
+<file path=ppt/slides/slide22.xml><?xml version="1.0" encoding="utf-8"?>
 <p:sld xmlns:a="http://schemas.openxmlformats.org/drawingml/2006/main" xmlns:r="http://schemas.openxmlformats.org/officeDocument/2006/relationships" xmlns:p="http://schemas.openxmlformats.org/presentationml/2006/main">
   <p:cSld>
     <p:spTree>
@@ -14328,7 +13935,7 @@
 </p:sld>
 </file>
 
-<file path=ppt/slides/slide24.xml><?xml version="1.0" encoding="utf-8"?>
+<file path=ppt/slides/slide23.xml><?xml version="1.0" encoding="utf-8"?>
 <p:sld xmlns:a="http://schemas.openxmlformats.org/drawingml/2006/main" xmlns:r="http://schemas.openxmlformats.org/officeDocument/2006/relationships" xmlns:p="http://schemas.openxmlformats.org/presentationml/2006/main">
   <p:cSld>
     <p:spTree>
@@ -14506,7 +14113,7 @@
 </p:sld>
 </file>
 
-<file path=ppt/slides/slide25.xml><?xml version="1.0" encoding="utf-8"?>
+<file path=ppt/slides/slide24.xml><?xml version="1.0" encoding="utf-8"?>
 <p:sld xmlns:a="http://schemas.openxmlformats.org/drawingml/2006/main" xmlns:r="http://schemas.openxmlformats.org/officeDocument/2006/relationships" xmlns:p="http://schemas.openxmlformats.org/presentationml/2006/main">
   <p:cSld>
     <p:spTree>
@@ -14619,7 +14226,7 @@
 </p:sld>
 </file>
 
-<file path=ppt/slides/slide26.xml><?xml version="1.0" encoding="utf-8"?>
+<file path=ppt/slides/slide25.xml><?xml version="1.0" encoding="utf-8"?>
 <p:sld xmlns:a="http://schemas.openxmlformats.org/drawingml/2006/main" xmlns:r="http://schemas.openxmlformats.org/officeDocument/2006/relationships" xmlns:p="http://schemas.openxmlformats.org/presentationml/2006/main">
   <p:cSld>
     <p:spTree>
